--- a/Task-5/task5.pptx
+++ b/Task-5/task5.pptx
@@ -10,6 +10,7 @@
     <p:sldId id="258" r:id="rId4"/>
     <p:sldId id="259" r:id="rId5"/>
     <p:sldId id="260" r:id="rId6"/>
+    <p:sldId id="261" r:id="rId7"/>
   </p:sldIdLst>
   <p:sldSz cx="12192000" cy="6858000"/>
   <p:notesSz cx="6858000" cy="9144000"/>
@@ -108,6 +109,11 @@
       </a:defRPr>
     </a:lvl9pPr>
   </p:defaultTextStyle>
+  <p:extLst>
+    <p:ext uri="{EFAFB233-063F-42B5-8137-9DF3F51BA10A}">
+      <p15:sldGuideLst xmlns:p15="http://schemas.microsoft.com/office/powerpoint/2012/main"/>
+    </p:ext>
+  </p:extLst>
 </p:presentation>
 </file>
 
@@ -161,7 +167,7 @@
           <a:noFill/>
           <a:extLst>
             <a:ext uri="{909E8E84-426E-40dd-AFC4-6F175D3DCCD1}">
-              <a14:hiddenFill xmlns:a14="http://schemas.microsoft.com/office/drawing/2010/main" xmlns="">
+              <a14:hiddenFill xmlns="" xmlns:a14="http://schemas.microsoft.com/office/drawing/2010/main">
                 <a:solidFill>
                   <a:srgbClr val="FFFFFF"/>
                 </a:solidFill>
@@ -221,7 +227,7 @@
             </a:ln>
             <a:extLst>
               <a:ext uri="{91240B29-F687-4f45-9708-019B960494DF}">
-                <a14:hiddenLine xmlns:a14="http://schemas.microsoft.com/office/drawing/2010/main" xmlns="" w="9525">
+                <a14:hiddenLine xmlns="" xmlns:a14="http://schemas.microsoft.com/office/drawing/2010/main" w="9525">
                   <a:solidFill>
                     <a:srgbClr val="000000"/>
                   </a:solidFill>
@@ -311,7 +317,7 @@
             </a:ln>
             <a:extLst>
               <a:ext uri="{91240B29-F687-4f45-9708-019B960494DF}">
-                <a14:hiddenLine xmlns:a14="http://schemas.microsoft.com/office/drawing/2010/main" xmlns="" w="9525">
+                <a14:hiddenLine xmlns="" xmlns:a14="http://schemas.microsoft.com/office/drawing/2010/main" w="9525">
                   <a:solidFill>
                     <a:srgbClr val="000000"/>
                   </a:solidFill>
@@ -401,7 +407,7 @@
             </a:ln>
             <a:extLst>
               <a:ext uri="{91240B29-F687-4f45-9708-019B960494DF}">
-                <a14:hiddenLine xmlns:a14="http://schemas.microsoft.com/office/drawing/2010/main" xmlns="" w="9525">
+                <a14:hiddenLine xmlns="" xmlns:a14="http://schemas.microsoft.com/office/drawing/2010/main" w="9525">
                   <a:solidFill>
                     <a:srgbClr val="000000"/>
                   </a:solidFill>
@@ -435,7 +441,7 @@
             </a:ln>
             <a:extLst>
               <a:ext uri="{91240B29-F687-4f45-9708-019B960494DF}">
-                <a14:hiddenLine xmlns:a14="http://schemas.microsoft.com/office/drawing/2010/main" xmlns="" w="9525">
+                <a14:hiddenLine xmlns="" xmlns:a14="http://schemas.microsoft.com/office/drawing/2010/main" w="9525">
                   <a:solidFill>
                     <a:srgbClr val="000000"/>
                   </a:solidFill>
@@ -525,7 +531,7 @@
             </a:ln>
             <a:extLst>
               <a:ext uri="{91240B29-F687-4f45-9708-019B960494DF}">
-                <a14:hiddenLine xmlns:a14="http://schemas.microsoft.com/office/drawing/2010/main" xmlns="" w="9525">
+                <a14:hiddenLine xmlns="" xmlns:a14="http://schemas.microsoft.com/office/drawing/2010/main" w="9525">
                   <a:solidFill>
                     <a:srgbClr val="000000"/>
                   </a:solidFill>
@@ -587,7 +593,7 @@
             </a:ln>
             <a:extLst>
               <a:ext uri="{91240B29-F687-4f45-9708-019B960494DF}">
-                <a14:hiddenLine xmlns:a14="http://schemas.microsoft.com/office/drawing/2010/main" xmlns="" w="9525">
+                <a14:hiddenLine xmlns="" xmlns:a14="http://schemas.microsoft.com/office/drawing/2010/main" w="9525">
                   <a:solidFill>
                     <a:srgbClr val="000000"/>
                   </a:solidFill>
@@ -649,7 +655,7 @@
             </a:ln>
             <a:extLst>
               <a:ext uri="{91240B29-F687-4f45-9708-019B960494DF}">
-                <a14:hiddenLine xmlns:a14="http://schemas.microsoft.com/office/drawing/2010/main" xmlns="" w="9525">
+                <a14:hiddenLine xmlns="" xmlns:a14="http://schemas.microsoft.com/office/drawing/2010/main" w="9525">
                   <a:solidFill>
                     <a:srgbClr val="000000"/>
                   </a:solidFill>
@@ -739,7 +745,7 @@
             </a:ln>
             <a:extLst>
               <a:ext uri="{91240B29-F687-4f45-9708-019B960494DF}">
-                <a14:hiddenLine xmlns:a14="http://schemas.microsoft.com/office/drawing/2010/main" xmlns="" w="9525">
+                <a14:hiddenLine xmlns="" xmlns:a14="http://schemas.microsoft.com/office/drawing/2010/main" w="9525">
                   <a:solidFill>
                     <a:srgbClr val="000000"/>
                   </a:solidFill>
@@ -801,7 +807,7 @@
             </a:ln>
             <a:extLst>
               <a:ext uri="{91240B29-F687-4f45-9708-019B960494DF}">
-                <a14:hiddenLine xmlns:a14="http://schemas.microsoft.com/office/drawing/2010/main" xmlns="" w="9525">
+                <a14:hiddenLine xmlns="" xmlns:a14="http://schemas.microsoft.com/office/drawing/2010/main" w="9525">
                   <a:solidFill>
                     <a:srgbClr val="000000"/>
                   </a:solidFill>
@@ -863,7 +869,7 @@
             </a:ln>
             <a:extLst>
               <a:ext uri="{91240B29-F687-4f45-9708-019B960494DF}">
-                <a14:hiddenLine xmlns:a14="http://schemas.microsoft.com/office/drawing/2010/main" xmlns="" w="9525">
+                <a14:hiddenLine xmlns="" xmlns:a14="http://schemas.microsoft.com/office/drawing/2010/main" w="9525">
                   <a:solidFill>
                     <a:srgbClr val="000000"/>
                   </a:solidFill>
@@ -953,7 +959,7 @@
             </a:ln>
             <a:extLst>
               <a:ext uri="{91240B29-F687-4f45-9708-019B960494DF}">
-                <a14:hiddenLine xmlns:a14="http://schemas.microsoft.com/office/drawing/2010/main" xmlns="" w="9525">
+                <a14:hiddenLine xmlns="" xmlns:a14="http://schemas.microsoft.com/office/drawing/2010/main" w="9525">
                   <a:solidFill>
                     <a:srgbClr val="000000"/>
                   </a:solidFill>
@@ -1043,7 +1049,7 @@
             </a:ln>
             <a:extLst>
               <a:ext uri="{91240B29-F687-4f45-9708-019B960494DF}">
-                <a14:hiddenLine xmlns:a14="http://schemas.microsoft.com/office/drawing/2010/main" xmlns="" w="9525">
+                <a14:hiddenLine xmlns="" xmlns:a14="http://schemas.microsoft.com/office/drawing/2010/main" w="9525">
                   <a:solidFill>
                     <a:srgbClr val="000000"/>
                   </a:solidFill>
@@ -1105,7 +1111,7 @@
             </a:ln>
             <a:extLst>
               <a:ext uri="{91240B29-F687-4f45-9708-019B960494DF}">
-                <a14:hiddenLine xmlns:a14="http://schemas.microsoft.com/office/drawing/2010/main" xmlns="" w="9525">
+                <a14:hiddenLine xmlns="" xmlns:a14="http://schemas.microsoft.com/office/drawing/2010/main" w="9525">
                   <a:solidFill>
                     <a:srgbClr val="000000"/>
                   </a:solidFill>
@@ -1215,7 +1221,7 @@
             </a:ln>
             <a:extLst>
               <a:ext uri="{91240B29-F687-4f45-9708-019B960494DF}">
-                <a14:hiddenLine xmlns:a14="http://schemas.microsoft.com/office/drawing/2010/main" xmlns="" w="9525">
+                <a14:hiddenLine xmlns="" xmlns:a14="http://schemas.microsoft.com/office/drawing/2010/main" w="9525">
                   <a:solidFill>
                     <a:srgbClr val="000000"/>
                   </a:solidFill>
@@ -1277,7 +1283,7 @@
             </a:ln>
             <a:extLst>
               <a:ext uri="{91240B29-F687-4f45-9708-019B960494DF}">
-                <a14:hiddenLine xmlns:a14="http://schemas.microsoft.com/office/drawing/2010/main" xmlns="" w="9525">
+                <a14:hiddenLine xmlns="" xmlns:a14="http://schemas.microsoft.com/office/drawing/2010/main" w="9525">
                   <a:solidFill>
                     <a:srgbClr val="000000"/>
                   </a:solidFill>
@@ -1367,7 +1373,7 @@
             </a:ln>
             <a:extLst>
               <a:ext uri="{91240B29-F687-4f45-9708-019B960494DF}">
-                <a14:hiddenLine xmlns:a14="http://schemas.microsoft.com/office/drawing/2010/main" xmlns="" w="9525">
+                <a14:hiddenLine xmlns="" xmlns:a14="http://schemas.microsoft.com/office/drawing/2010/main" w="9525">
                   <a:solidFill>
                     <a:srgbClr val="000000"/>
                   </a:solidFill>
@@ -1457,7 +1463,7 @@
             </a:ln>
             <a:extLst>
               <a:ext uri="{91240B29-F687-4f45-9708-019B960494DF}">
-                <a14:hiddenLine xmlns:a14="http://schemas.microsoft.com/office/drawing/2010/main" xmlns="" w="9525">
+                <a14:hiddenLine xmlns="" xmlns:a14="http://schemas.microsoft.com/office/drawing/2010/main" w="9525">
                   <a:solidFill>
                     <a:srgbClr val="000000"/>
                   </a:solidFill>
@@ -1519,7 +1525,7 @@
             </a:ln>
             <a:extLst>
               <a:ext uri="{91240B29-F687-4f45-9708-019B960494DF}">
-                <a14:hiddenLine xmlns:a14="http://schemas.microsoft.com/office/drawing/2010/main" xmlns="" w="9525">
+                <a14:hiddenLine xmlns="" xmlns:a14="http://schemas.microsoft.com/office/drawing/2010/main" w="9525">
                   <a:solidFill>
                     <a:srgbClr val="000000"/>
                   </a:solidFill>
@@ -1609,7 +1615,7 @@
             </a:ln>
             <a:extLst>
               <a:ext uri="{91240B29-F687-4f45-9708-019B960494DF}">
-                <a14:hiddenLine xmlns:a14="http://schemas.microsoft.com/office/drawing/2010/main" xmlns="" w="9525">
+                <a14:hiddenLine xmlns="" xmlns:a14="http://schemas.microsoft.com/office/drawing/2010/main" w="9525">
                   <a:solidFill>
                     <a:srgbClr val="000000"/>
                   </a:solidFill>
@@ -1699,7 +1705,7 @@
             </a:ln>
             <a:extLst>
               <a:ext uri="{91240B29-F687-4f45-9708-019B960494DF}">
-                <a14:hiddenLine xmlns:a14="http://schemas.microsoft.com/office/drawing/2010/main" xmlns="" w="9525">
+                <a14:hiddenLine xmlns="" xmlns:a14="http://schemas.microsoft.com/office/drawing/2010/main" w="9525">
                   <a:solidFill>
                     <a:srgbClr val="000000"/>
                   </a:solidFill>
@@ -1755,7 +1761,7 @@
             </a:ln>
             <a:extLst>
               <a:ext uri="{91240B29-F687-4f45-9708-019B960494DF}">
-                <a14:hiddenLine xmlns:a14="http://schemas.microsoft.com/office/drawing/2010/main" xmlns="" w="9525">
+                <a14:hiddenLine xmlns="" xmlns:a14="http://schemas.microsoft.com/office/drawing/2010/main" w="9525">
                   <a:solidFill>
                     <a:srgbClr val="000000"/>
                   </a:solidFill>
@@ -1845,7 +1851,7 @@
             </a:ln>
             <a:extLst>
               <a:ext uri="{91240B29-F687-4f45-9708-019B960494DF}">
-                <a14:hiddenLine xmlns:a14="http://schemas.microsoft.com/office/drawing/2010/main" xmlns="" w="9525">
+                <a14:hiddenLine xmlns="" xmlns:a14="http://schemas.microsoft.com/office/drawing/2010/main" w="9525">
                   <a:solidFill>
                     <a:srgbClr val="000000"/>
                   </a:solidFill>
@@ -1901,7 +1907,7 @@
             </a:ln>
             <a:extLst>
               <a:ext uri="{91240B29-F687-4f45-9708-019B960494DF}">
-                <a14:hiddenLine xmlns:a14="http://schemas.microsoft.com/office/drawing/2010/main" xmlns="" w="9525">
+                <a14:hiddenLine xmlns="" xmlns:a14="http://schemas.microsoft.com/office/drawing/2010/main" w="9525">
                   <a:solidFill>
                     <a:srgbClr val="000000"/>
                   </a:solidFill>
@@ -1991,7 +1997,7 @@
             </a:ln>
             <a:extLst>
               <a:ext uri="{91240B29-F687-4f45-9708-019B960494DF}">
-                <a14:hiddenLine xmlns:a14="http://schemas.microsoft.com/office/drawing/2010/main" xmlns="" w="9525">
+                <a14:hiddenLine xmlns="" xmlns:a14="http://schemas.microsoft.com/office/drawing/2010/main" w="9525">
                   <a:solidFill>
                     <a:srgbClr val="000000"/>
                   </a:solidFill>
@@ -2059,7 +2065,7 @@
             </a:ln>
             <a:extLst>
               <a:ext uri="{91240B29-F687-4f45-9708-019B960494DF}">
-                <a14:hiddenLine xmlns:a14="http://schemas.microsoft.com/office/drawing/2010/main" xmlns="" w="9525">
+                <a14:hiddenLine xmlns="" xmlns:a14="http://schemas.microsoft.com/office/drawing/2010/main" w="9525">
                   <a:solidFill>
                     <a:srgbClr val="000000"/>
                   </a:solidFill>
@@ -2149,7 +2155,7 @@
             </a:ln>
             <a:extLst>
               <a:ext uri="{91240B29-F687-4f45-9708-019B960494DF}">
-                <a14:hiddenLine xmlns:a14="http://schemas.microsoft.com/office/drawing/2010/main" xmlns="" w="9525">
+                <a14:hiddenLine xmlns="" xmlns:a14="http://schemas.microsoft.com/office/drawing/2010/main" w="9525">
                   <a:solidFill>
                     <a:srgbClr val="000000"/>
                   </a:solidFill>
@@ -2217,7 +2223,7 @@
             </a:ln>
             <a:extLst>
               <a:ext uri="{91240B29-F687-4f45-9708-019B960494DF}">
-                <a14:hiddenLine xmlns:a14="http://schemas.microsoft.com/office/drawing/2010/main" xmlns="" w="9525">
+                <a14:hiddenLine xmlns="" xmlns:a14="http://schemas.microsoft.com/office/drawing/2010/main" w="9525">
                   <a:solidFill>
                     <a:srgbClr val="000000"/>
                   </a:solidFill>
@@ -2307,7 +2313,7 @@
             </a:ln>
             <a:extLst>
               <a:ext uri="{91240B29-F687-4f45-9708-019B960494DF}">
-                <a14:hiddenLine xmlns:a14="http://schemas.microsoft.com/office/drawing/2010/main" xmlns="" w="9525">
+                <a14:hiddenLine xmlns="" xmlns:a14="http://schemas.microsoft.com/office/drawing/2010/main" w="9525">
                   <a:solidFill>
                     <a:srgbClr val="000000"/>
                   </a:solidFill>
@@ -2341,7 +2347,7 @@
             </a:ln>
             <a:extLst>
               <a:ext uri="{91240B29-F687-4f45-9708-019B960494DF}">
-                <a14:hiddenLine xmlns:a14="http://schemas.microsoft.com/office/drawing/2010/main" xmlns="" w="9525">
+                <a14:hiddenLine xmlns="" xmlns:a14="http://schemas.microsoft.com/office/drawing/2010/main" w="9525">
                   <a:solidFill>
                     <a:srgbClr val="000000"/>
                   </a:solidFill>
@@ -2431,7 +2437,7 @@
             </a:ln>
             <a:extLst>
               <a:ext uri="{91240B29-F687-4f45-9708-019B960494DF}">
-                <a14:hiddenLine xmlns:a14="http://schemas.microsoft.com/office/drawing/2010/main" xmlns="" w="9525">
+                <a14:hiddenLine xmlns="" xmlns:a14="http://schemas.microsoft.com/office/drawing/2010/main" w="9525">
                   <a:solidFill>
                     <a:srgbClr val="000000"/>
                   </a:solidFill>
@@ -2493,7 +2499,7 @@
             </a:ln>
             <a:extLst>
               <a:ext uri="{91240B29-F687-4f45-9708-019B960494DF}">
-                <a14:hiddenLine xmlns:a14="http://schemas.microsoft.com/office/drawing/2010/main" xmlns="" w="9525">
+                <a14:hiddenLine xmlns="" xmlns:a14="http://schemas.microsoft.com/office/drawing/2010/main" w="9525">
                   <a:solidFill>
                     <a:srgbClr val="000000"/>
                   </a:solidFill>
@@ -2555,7 +2561,7 @@
             </a:ln>
             <a:extLst>
               <a:ext uri="{91240B29-F687-4f45-9708-019B960494DF}">
-                <a14:hiddenLine xmlns:a14="http://schemas.microsoft.com/office/drawing/2010/main" xmlns="" w="9525">
+                <a14:hiddenLine xmlns="" xmlns:a14="http://schemas.microsoft.com/office/drawing/2010/main" w="9525">
                   <a:solidFill>
                     <a:srgbClr val="000000"/>
                   </a:solidFill>
@@ -2645,7 +2651,7 @@
             </a:ln>
             <a:extLst>
               <a:ext uri="{91240B29-F687-4f45-9708-019B960494DF}">
-                <a14:hiddenLine xmlns:a14="http://schemas.microsoft.com/office/drawing/2010/main" xmlns="" w="9525">
+                <a14:hiddenLine xmlns="" xmlns:a14="http://schemas.microsoft.com/office/drawing/2010/main" w="9525">
                   <a:solidFill>
                     <a:srgbClr val="000000"/>
                   </a:solidFill>
@@ -2713,7 +2719,7 @@
             </a:ln>
             <a:extLst>
               <a:ext uri="{91240B29-F687-4f45-9708-019B960494DF}">
-                <a14:hiddenLine xmlns:a14="http://schemas.microsoft.com/office/drawing/2010/main" xmlns="" w="9525">
+                <a14:hiddenLine xmlns="" xmlns:a14="http://schemas.microsoft.com/office/drawing/2010/main" w="9525">
                   <a:solidFill>
                     <a:srgbClr val="000000"/>
                   </a:solidFill>
@@ -2775,7 +2781,7 @@
             </a:ln>
             <a:extLst>
               <a:ext uri="{91240B29-F687-4f45-9708-019B960494DF}">
-                <a14:hiddenLine xmlns:a14="http://schemas.microsoft.com/office/drawing/2010/main" xmlns="" w="9525">
+                <a14:hiddenLine xmlns="" xmlns:a14="http://schemas.microsoft.com/office/drawing/2010/main" w="9525">
                   <a:solidFill>
                     <a:srgbClr val="000000"/>
                   </a:solidFill>
@@ -2865,7 +2871,7 @@
             </a:ln>
             <a:extLst>
               <a:ext uri="{91240B29-F687-4f45-9708-019B960494DF}">
-                <a14:hiddenLine xmlns:a14="http://schemas.microsoft.com/office/drawing/2010/main" xmlns="" w="9525">
+                <a14:hiddenLine xmlns="" xmlns:a14="http://schemas.microsoft.com/office/drawing/2010/main" w="9525">
                   <a:solidFill>
                     <a:srgbClr val="000000"/>
                   </a:solidFill>
@@ -2927,7 +2933,7 @@
             </a:ln>
             <a:extLst>
               <a:ext uri="{91240B29-F687-4f45-9708-019B960494DF}">
-                <a14:hiddenLine xmlns:a14="http://schemas.microsoft.com/office/drawing/2010/main" xmlns="" w="9525">
+                <a14:hiddenLine xmlns="" xmlns:a14="http://schemas.microsoft.com/office/drawing/2010/main" w="9525">
                   <a:solidFill>
                     <a:srgbClr val="000000"/>
                   </a:solidFill>
@@ -3017,7 +3023,7 @@
             </a:ln>
             <a:extLst>
               <a:ext uri="{91240B29-F687-4f45-9708-019B960494DF}">
-                <a14:hiddenLine xmlns:a14="http://schemas.microsoft.com/office/drawing/2010/main" xmlns="" w="9525">
+                <a14:hiddenLine xmlns="" xmlns:a14="http://schemas.microsoft.com/office/drawing/2010/main" w="9525">
                   <a:solidFill>
                     <a:srgbClr val="000000"/>
                   </a:solidFill>
@@ -3079,7 +3085,7 @@
             </a:ln>
             <a:extLst>
               <a:ext uri="{91240B29-F687-4f45-9708-019B960494DF}">
-                <a14:hiddenLine xmlns:a14="http://schemas.microsoft.com/office/drawing/2010/main" xmlns="" w="9525">
+                <a14:hiddenLine xmlns="" xmlns:a14="http://schemas.microsoft.com/office/drawing/2010/main" w="9525">
                   <a:solidFill>
                     <a:srgbClr val="000000"/>
                   </a:solidFill>
@@ -3169,7 +3175,7 @@
             </a:ln>
             <a:extLst>
               <a:ext uri="{91240B29-F687-4f45-9708-019B960494DF}">
-                <a14:hiddenLine xmlns:a14="http://schemas.microsoft.com/office/drawing/2010/main" xmlns="" w="9525">
+                <a14:hiddenLine xmlns="" xmlns:a14="http://schemas.microsoft.com/office/drawing/2010/main" w="9525">
                   <a:solidFill>
                     <a:srgbClr val="000000"/>
                   </a:solidFill>
@@ -3203,7 +3209,7 @@
             </a:ln>
             <a:extLst>
               <a:ext uri="{91240B29-F687-4f45-9708-019B960494DF}">
-                <a14:hiddenLine xmlns:a14="http://schemas.microsoft.com/office/drawing/2010/main" xmlns="" w="9525">
+                <a14:hiddenLine xmlns="" xmlns:a14="http://schemas.microsoft.com/office/drawing/2010/main" w="9525">
                   <a:solidFill>
                     <a:srgbClr val="000000"/>
                   </a:solidFill>
@@ -3268,7 +3274,7 @@
             </a:ln>
             <a:extLst>
               <a:ext uri="{91240B29-F687-4f45-9708-019B960494DF}">
-                <a14:hiddenLine xmlns:a14="http://schemas.microsoft.com/office/drawing/2010/main" xmlns="" w="9525">
+                <a14:hiddenLine xmlns="" xmlns:a14="http://schemas.microsoft.com/office/drawing/2010/main" w="9525">
                   <a:solidFill>
                     <a:srgbClr val="000000"/>
                   </a:solidFill>
@@ -3358,7 +3364,7 @@
             </a:ln>
             <a:extLst>
               <a:ext uri="{91240B29-F687-4f45-9708-019B960494DF}">
-                <a14:hiddenLine xmlns:a14="http://schemas.microsoft.com/office/drawing/2010/main" xmlns="" w="9525">
+                <a14:hiddenLine xmlns="" xmlns:a14="http://schemas.microsoft.com/office/drawing/2010/main" w="9525">
                   <a:solidFill>
                     <a:srgbClr val="000000"/>
                   </a:solidFill>
@@ -3420,7 +3426,7 @@
             </a:ln>
             <a:extLst>
               <a:ext uri="{91240B29-F687-4f45-9708-019B960494DF}">
-                <a14:hiddenLine xmlns:a14="http://schemas.microsoft.com/office/drawing/2010/main" xmlns="" w="9525">
+                <a14:hiddenLine xmlns="" xmlns:a14="http://schemas.microsoft.com/office/drawing/2010/main" w="9525">
                   <a:solidFill>
                     <a:srgbClr val="000000"/>
                   </a:solidFill>
@@ -3510,7 +3516,7 @@
             </a:ln>
             <a:extLst>
               <a:ext uri="{91240B29-F687-4f45-9708-019B960494DF}">
-                <a14:hiddenLine xmlns:a14="http://schemas.microsoft.com/office/drawing/2010/main" xmlns="" w="9525">
+                <a14:hiddenLine xmlns="" xmlns:a14="http://schemas.microsoft.com/office/drawing/2010/main" w="9525">
                   <a:solidFill>
                     <a:srgbClr val="000000"/>
                   </a:solidFill>
@@ -3600,7 +3606,7 @@
             </a:ln>
             <a:extLst>
               <a:ext uri="{91240B29-F687-4f45-9708-019B960494DF}">
-                <a14:hiddenLine xmlns:a14="http://schemas.microsoft.com/office/drawing/2010/main" xmlns="" w="9525">
+                <a14:hiddenLine xmlns="" xmlns:a14="http://schemas.microsoft.com/office/drawing/2010/main" w="9525">
                   <a:solidFill>
                     <a:srgbClr val="000000"/>
                   </a:solidFill>
@@ -3665,7 +3671,7 @@
             </a:ln>
             <a:extLst>
               <a:ext uri="{91240B29-F687-4f45-9708-019B960494DF}">
-                <a14:hiddenLine xmlns:a14="http://schemas.microsoft.com/office/drawing/2010/main" xmlns="" w="9525">
+                <a14:hiddenLine xmlns="" xmlns:a14="http://schemas.microsoft.com/office/drawing/2010/main" w="9525">
                   <a:solidFill>
                     <a:srgbClr val="000000"/>
                   </a:solidFill>
@@ -3727,7 +3733,7 @@
             </a:ln>
             <a:extLst>
               <a:ext uri="{91240B29-F687-4f45-9708-019B960494DF}">
-                <a14:hiddenLine xmlns:a14="http://schemas.microsoft.com/office/drawing/2010/main" xmlns="" w="9525">
+                <a14:hiddenLine xmlns="" xmlns:a14="http://schemas.microsoft.com/office/drawing/2010/main" w="9525">
                   <a:solidFill>
                     <a:srgbClr val="000000"/>
                   </a:solidFill>
@@ -3817,7 +3823,7 @@
             </a:ln>
             <a:extLst>
               <a:ext uri="{91240B29-F687-4f45-9708-019B960494DF}">
-                <a14:hiddenLine xmlns:a14="http://schemas.microsoft.com/office/drawing/2010/main" xmlns="" w="9525">
+                <a14:hiddenLine xmlns="" xmlns:a14="http://schemas.microsoft.com/office/drawing/2010/main" w="9525">
                   <a:solidFill>
                     <a:srgbClr val="000000"/>
                   </a:solidFill>
@@ -3907,7 +3913,7 @@
             </a:ln>
             <a:extLst>
               <a:ext uri="{91240B29-F687-4f45-9708-019B960494DF}">
-                <a14:hiddenLine xmlns:a14="http://schemas.microsoft.com/office/drawing/2010/main" xmlns="" w="9525">
+                <a14:hiddenLine xmlns="" xmlns:a14="http://schemas.microsoft.com/office/drawing/2010/main" w="9525">
                   <a:solidFill>
                     <a:srgbClr val="000000"/>
                   </a:solidFill>
@@ -3969,7 +3975,7 @@
             </a:ln>
             <a:extLst>
               <a:ext uri="{91240B29-F687-4f45-9708-019B960494DF}">
-                <a14:hiddenLine xmlns:a14="http://schemas.microsoft.com/office/drawing/2010/main" xmlns="" w="9525">
+                <a14:hiddenLine xmlns="" xmlns:a14="http://schemas.microsoft.com/office/drawing/2010/main" w="9525">
                   <a:solidFill>
                     <a:srgbClr val="000000"/>
                   </a:solidFill>
@@ -4089,7 +4095,7 @@
             </a:ln>
             <a:extLst>
               <a:ext uri="{91240B29-F687-4f45-9708-019B960494DF}">
-                <a14:hiddenLine xmlns:a14="http://schemas.microsoft.com/office/drawing/2010/main" xmlns="" w="9525">
+                <a14:hiddenLine xmlns="" xmlns:a14="http://schemas.microsoft.com/office/drawing/2010/main" w="9525">
                   <a:solidFill>
                     <a:srgbClr val="000000"/>
                   </a:solidFill>
@@ -4157,7 +4163,7 @@
             </a:ln>
             <a:extLst>
               <a:ext uri="{91240B29-F687-4f45-9708-019B960494DF}">
-                <a14:hiddenLine xmlns:a14="http://schemas.microsoft.com/office/drawing/2010/main" xmlns="" w="9525">
+                <a14:hiddenLine xmlns="" xmlns:a14="http://schemas.microsoft.com/office/drawing/2010/main" w="9525">
                   <a:solidFill>
                     <a:srgbClr val="000000"/>
                   </a:solidFill>
@@ -4247,7 +4253,7 @@
             </a:ln>
             <a:extLst>
               <a:ext uri="{91240B29-F687-4f45-9708-019B960494DF}">
-                <a14:hiddenLine xmlns:a14="http://schemas.microsoft.com/office/drawing/2010/main" xmlns="" w="9525">
+                <a14:hiddenLine xmlns="" xmlns:a14="http://schemas.microsoft.com/office/drawing/2010/main" w="9525">
                   <a:solidFill>
                     <a:srgbClr val="000000"/>
                   </a:solidFill>
@@ -4387,7 +4393,7 @@
           <a:p>
             <a:fld id="{48A87A34-81AB-432B-8DAE-1953F412C126}" type="datetimeFigureOut">
               <a:rPr lang="en-US" smtClean="0"/>
-              <a:t>09/10/2018</a:t>
+              <a:t>10/10/2018</a:t>
             </a:fld>
             <a:endParaRPr lang="en-US" dirty="0"/>
           </a:p>
@@ -4654,7 +4660,7 @@
           <a:p>
             <a:fld id="{48A87A34-81AB-432B-8DAE-1953F412C126}" type="datetimeFigureOut">
               <a:rPr lang="en-US" smtClean="0"/>
-              <a:t>09/10/2018</a:t>
+              <a:t>10/10/2018</a:t>
             </a:fld>
             <a:endParaRPr lang="en-US" dirty="0"/>
           </a:p>
@@ -4850,7 +4856,7 @@
           <a:p>
             <a:fld id="{48A87A34-81AB-432B-8DAE-1953F412C126}" type="datetimeFigureOut">
               <a:rPr lang="en-US" smtClean="0"/>
-              <a:t>09/10/2018</a:t>
+              <a:t>10/10/2018</a:t>
             </a:fld>
             <a:endParaRPr lang="en-US" dirty="0"/>
           </a:p>
@@ -5113,7 +5119,7 @@
           <a:p>
             <a:fld id="{48A87A34-81AB-432B-8DAE-1953F412C126}" type="datetimeFigureOut">
               <a:rPr lang="en-US" smtClean="0"/>
-              <a:t>09/10/2018</a:t>
+              <a:t>10/10/2018</a:t>
             </a:fld>
             <a:endParaRPr lang="en-US" dirty="0"/>
           </a:p>
@@ -5547,7 +5553,7 @@
           <a:p>
             <a:fld id="{48A87A34-81AB-432B-8DAE-1953F412C126}" type="datetimeFigureOut">
               <a:rPr lang="en-US" smtClean="0"/>
-              <a:t>09/10/2018</a:t>
+              <a:t>10/10/2018</a:t>
             </a:fld>
             <a:endParaRPr lang="en-US" dirty="0"/>
           </a:p>
@@ -6093,7 +6099,7 @@
           <a:p>
             <a:fld id="{48A87A34-81AB-432B-8DAE-1953F412C126}" type="datetimeFigureOut">
               <a:rPr lang="en-US" smtClean="0"/>
-              <a:t>09/10/2018</a:t>
+              <a:t>10/10/2018</a:t>
             </a:fld>
             <a:endParaRPr lang="en-US" dirty="0"/>
           </a:p>
@@ -6813,7 +6819,7 @@
           <a:p>
             <a:fld id="{48A87A34-81AB-432B-8DAE-1953F412C126}" type="datetimeFigureOut">
               <a:rPr lang="en-US" smtClean="0"/>
-              <a:t>09/10/2018</a:t>
+              <a:t>10/10/2018</a:t>
             </a:fld>
             <a:endParaRPr lang="en-US" dirty="0"/>
           </a:p>
@@ -6983,7 +6989,7 @@
           <a:p>
             <a:fld id="{48A87A34-81AB-432B-8DAE-1953F412C126}" type="datetimeFigureOut">
               <a:rPr lang="en-US" smtClean="0"/>
-              <a:t>09/10/2018</a:t>
+              <a:t>10/10/2018</a:t>
             </a:fld>
             <a:endParaRPr lang="en-US" dirty="0"/>
           </a:p>
@@ -7163,7 +7169,7 @@
           <a:p>
             <a:fld id="{48A87A34-81AB-432B-8DAE-1953F412C126}" type="datetimeFigureOut">
               <a:rPr lang="en-US" smtClean="0"/>
-              <a:t>09/10/2018</a:t>
+              <a:t>10/10/2018</a:t>
             </a:fld>
             <a:endParaRPr lang="en-US" dirty="0"/>
           </a:p>
@@ -7333,7 +7339,7 @@
           <a:p>
             <a:fld id="{48A87A34-81AB-432B-8DAE-1953F412C126}" type="datetimeFigureOut">
               <a:rPr lang="en-US" smtClean="0"/>
-              <a:t>09/10/2018</a:t>
+              <a:t>10/10/2018</a:t>
             </a:fld>
             <a:endParaRPr lang="en-US" dirty="0"/>
           </a:p>
@@ -7583,7 +7589,7 @@
           <a:p>
             <a:fld id="{48A87A34-81AB-432B-8DAE-1953F412C126}" type="datetimeFigureOut">
               <a:rPr lang="en-US" smtClean="0"/>
-              <a:t>09/10/2018</a:t>
+              <a:t>10/10/2018</a:t>
             </a:fld>
             <a:endParaRPr lang="en-US" dirty="0"/>
           </a:p>
@@ -7815,7 +7821,7 @@
           <a:p>
             <a:fld id="{48A87A34-81AB-432B-8DAE-1953F412C126}" type="datetimeFigureOut">
               <a:rPr lang="en-US" smtClean="0"/>
-              <a:t>09/10/2018</a:t>
+              <a:t>10/10/2018</a:t>
             </a:fld>
             <a:endParaRPr lang="en-US" dirty="0"/>
           </a:p>
@@ -8196,7 +8202,7 @@
           <a:p>
             <a:fld id="{48A87A34-81AB-432B-8DAE-1953F412C126}" type="datetimeFigureOut">
               <a:rPr lang="en-US" smtClean="0"/>
-              <a:t>09/10/2018</a:t>
+              <a:t>10/10/2018</a:t>
             </a:fld>
             <a:endParaRPr lang="en-US" dirty="0"/>
           </a:p>
@@ -8314,7 +8320,7 @@
           <a:p>
             <a:fld id="{48A87A34-81AB-432B-8DAE-1953F412C126}" type="datetimeFigureOut">
               <a:rPr lang="en-US" smtClean="0"/>
-              <a:t>09/10/2018</a:t>
+              <a:t>10/10/2018</a:t>
             </a:fld>
             <a:endParaRPr lang="en-US" dirty="0"/>
           </a:p>
@@ -8409,7 +8415,7 @@
           <a:p>
             <a:fld id="{48A87A34-81AB-432B-8DAE-1953F412C126}" type="datetimeFigureOut">
               <a:rPr lang="en-US" smtClean="0"/>
-              <a:t>09/10/2018</a:t>
+              <a:t>10/10/2018</a:t>
             </a:fld>
             <a:endParaRPr lang="en-US" dirty="0"/>
           </a:p>
@@ -8658,7 +8664,7 @@
           <a:p>
             <a:fld id="{48A87A34-81AB-432B-8DAE-1953F412C126}" type="datetimeFigureOut">
               <a:rPr lang="en-US" smtClean="0"/>
-              <a:t>09/10/2018</a:t>
+              <a:t>10/10/2018</a:t>
             </a:fld>
             <a:endParaRPr lang="en-US" dirty="0"/>
           </a:p>
@@ -8938,7 +8944,7 @@
           <a:p>
             <a:fld id="{48A87A34-81AB-432B-8DAE-1953F412C126}" type="datetimeFigureOut">
               <a:rPr lang="en-US" smtClean="0"/>
-              <a:t>09/10/2018</a:t>
+              <a:t>10/10/2018</a:t>
             </a:fld>
             <a:endParaRPr lang="en-US" dirty="0"/>
           </a:p>
@@ -9054,7 +9060,7 @@
           <a:noFill/>
           <a:extLst>
             <a:ext uri="{909E8E84-426E-40dd-AFC4-6F175D3DCCD1}">
-              <a14:hiddenFill xmlns:a14="http://schemas.microsoft.com/office/drawing/2010/main" xmlns="">
+              <a14:hiddenFill xmlns="" xmlns:a14="http://schemas.microsoft.com/office/drawing/2010/main">
                 <a:solidFill>
                   <a:srgbClr val="FFFFFF"/>
                 </a:solidFill>
@@ -9128,7 +9134,7 @@
               </a:ln>
               <a:extLst>
                 <a:ext uri="{91240B29-F687-4f45-9708-019B960494DF}">
-                  <a14:hiddenLine xmlns:a14="http://schemas.microsoft.com/office/drawing/2010/main" xmlns="" w="9525">
+                  <a14:hiddenLine xmlns="" xmlns:a14="http://schemas.microsoft.com/office/drawing/2010/main" w="9525">
                     <a:solidFill>
                       <a:srgbClr val="000000"/>
                     </a:solidFill>
@@ -9218,7 +9224,7 @@
               </a:ln>
               <a:extLst>
                 <a:ext uri="{91240B29-F687-4f45-9708-019B960494DF}">
-                  <a14:hiddenLine xmlns:a14="http://schemas.microsoft.com/office/drawing/2010/main" xmlns="" w="9525">
+                  <a14:hiddenLine xmlns="" xmlns:a14="http://schemas.microsoft.com/office/drawing/2010/main" w="9525">
                     <a:solidFill>
                       <a:srgbClr val="000000"/>
                     </a:solidFill>
@@ -9308,7 +9314,7 @@
               </a:ln>
               <a:extLst>
                 <a:ext uri="{91240B29-F687-4f45-9708-019B960494DF}">
-                  <a14:hiddenLine xmlns:a14="http://schemas.microsoft.com/office/drawing/2010/main" xmlns="" w="9525">
+                  <a14:hiddenLine xmlns="" xmlns:a14="http://schemas.microsoft.com/office/drawing/2010/main" w="9525">
                     <a:solidFill>
                       <a:srgbClr val="000000"/>
                     </a:solidFill>
@@ -9370,7 +9376,7 @@
               </a:ln>
               <a:extLst>
                 <a:ext uri="{91240B29-F687-4f45-9708-019B960494DF}">
-                  <a14:hiddenLine xmlns:a14="http://schemas.microsoft.com/office/drawing/2010/main" xmlns="" w="9525">
+                  <a14:hiddenLine xmlns="" xmlns:a14="http://schemas.microsoft.com/office/drawing/2010/main" w="9525">
                     <a:solidFill>
                       <a:srgbClr val="000000"/>
                     </a:solidFill>
@@ -9460,7 +9466,7 @@
               </a:ln>
               <a:extLst>
                 <a:ext uri="{91240B29-F687-4f45-9708-019B960494DF}">
-                  <a14:hiddenLine xmlns:a14="http://schemas.microsoft.com/office/drawing/2010/main" xmlns="" w="9525">
+                  <a14:hiddenLine xmlns="" xmlns:a14="http://schemas.microsoft.com/office/drawing/2010/main" w="9525">
                     <a:solidFill>
                       <a:srgbClr val="000000"/>
                     </a:solidFill>
@@ -9522,7 +9528,7 @@
               </a:ln>
               <a:extLst>
                 <a:ext uri="{91240B29-F687-4f45-9708-019B960494DF}">
-                  <a14:hiddenLine xmlns:a14="http://schemas.microsoft.com/office/drawing/2010/main" xmlns="" w="9525">
+                  <a14:hiddenLine xmlns="" xmlns:a14="http://schemas.microsoft.com/office/drawing/2010/main" w="9525">
                     <a:solidFill>
                       <a:srgbClr val="000000"/>
                     </a:solidFill>
@@ -9584,7 +9590,7 @@
               </a:ln>
               <a:extLst>
                 <a:ext uri="{91240B29-F687-4f45-9708-019B960494DF}">
-                  <a14:hiddenLine xmlns:a14="http://schemas.microsoft.com/office/drawing/2010/main" xmlns="" w="9525">
+                  <a14:hiddenLine xmlns="" xmlns:a14="http://schemas.microsoft.com/office/drawing/2010/main" w="9525">
                     <a:solidFill>
                       <a:srgbClr val="000000"/>
                     </a:solidFill>
@@ -9674,7 +9680,7 @@
               </a:ln>
               <a:extLst>
                 <a:ext uri="{91240B29-F687-4f45-9708-019B960494DF}">
-                  <a14:hiddenLine xmlns:a14="http://schemas.microsoft.com/office/drawing/2010/main" xmlns="" w="9525">
+                  <a14:hiddenLine xmlns="" xmlns:a14="http://schemas.microsoft.com/office/drawing/2010/main" w="9525">
                     <a:solidFill>
                       <a:srgbClr val="000000"/>
                     </a:solidFill>
@@ -9764,7 +9770,7 @@
               </a:ln>
               <a:extLst>
                 <a:ext uri="{91240B29-F687-4f45-9708-019B960494DF}">
-                  <a14:hiddenLine xmlns:a14="http://schemas.microsoft.com/office/drawing/2010/main" xmlns="" w="9525">
+                  <a14:hiddenLine xmlns="" xmlns:a14="http://schemas.microsoft.com/office/drawing/2010/main" w="9525">
                     <a:solidFill>
                       <a:srgbClr val="000000"/>
                     </a:solidFill>
@@ -9826,7 +9832,7 @@
               </a:ln>
               <a:extLst>
                 <a:ext uri="{91240B29-F687-4f45-9708-019B960494DF}">
-                  <a14:hiddenLine xmlns:a14="http://schemas.microsoft.com/office/drawing/2010/main" xmlns="" w="9525">
+                  <a14:hiddenLine xmlns="" xmlns:a14="http://schemas.microsoft.com/office/drawing/2010/main" w="9525">
                     <a:solidFill>
                       <a:srgbClr val="000000"/>
                     </a:solidFill>
@@ -9936,7 +9942,7 @@
               </a:ln>
               <a:extLst>
                 <a:ext uri="{91240B29-F687-4f45-9708-019B960494DF}">
-                  <a14:hiddenLine xmlns:a14="http://schemas.microsoft.com/office/drawing/2010/main" xmlns="" w="9525">
+                  <a14:hiddenLine xmlns="" xmlns:a14="http://schemas.microsoft.com/office/drawing/2010/main" w="9525">
                     <a:solidFill>
                       <a:srgbClr val="000000"/>
                     </a:solidFill>
@@ -10020,7 +10026,7 @@
               </a:ln>
               <a:extLst>
                 <a:ext uri="{91240B29-F687-4f45-9708-019B960494DF}">
-                  <a14:hiddenLine xmlns:a14="http://schemas.microsoft.com/office/drawing/2010/main" xmlns="" w="9525">
+                  <a14:hiddenLine xmlns="" xmlns:a14="http://schemas.microsoft.com/office/drawing/2010/main" w="9525">
                     <a:solidFill>
                       <a:srgbClr val="000000"/>
                     </a:solidFill>
@@ -10082,7 +10088,7 @@
               </a:ln>
               <a:extLst>
                 <a:ext uri="{91240B29-F687-4f45-9708-019B960494DF}">
-                  <a14:hiddenLine xmlns:a14="http://schemas.microsoft.com/office/drawing/2010/main" xmlns="" w="9525">
+                  <a14:hiddenLine xmlns="" xmlns:a14="http://schemas.microsoft.com/office/drawing/2010/main" w="9525">
                     <a:solidFill>
                       <a:srgbClr val="000000"/>
                     </a:solidFill>
@@ -10144,7 +10150,7 @@
               </a:ln>
               <a:extLst>
                 <a:ext uri="{91240B29-F687-4f45-9708-019B960494DF}">
-                  <a14:hiddenLine xmlns:a14="http://schemas.microsoft.com/office/drawing/2010/main" xmlns="" w="9525">
+                  <a14:hiddenLine xmlns="" xmlns:a14="http://schemas.microsoft.com/office/drawing/2010/main" w="9525">
                     <a:solidFill>
                       <a:srgbClr val="000000"/>
                     </a:solidFill>
@@ -10234,7 +10240,7 @@
               </a:ln>
               <a:extLst>
                 <a:ext uri="{91240B29-F687-4f45-9708-019B960494DF}">
-                  <a14:hiddenLine xmlns:a14="http://schemas.microsoft.com/office/drawing/2010/main" xmlns="" w="9525">
+                  <a14:hiddenLine xmlns="" xmlns:a14="http://schemas.microsoft.com/office/drawing/2010/main" w="9525">
                     <a:solidFill>
                       <a:srgbClr val="000000"/>
                     </a:solidFill>
@@ -10268,7 +10274,7 @@
               </a:ln>
               <a:extLst>
                 <a:ext uri="{91240B29-F687-4f45-9708-019B960494DF}">
-                  <a14:hiddenLine xmlns:a14="http://schemas.microsoft.com/office/drawing/2010/main" xmlns="" w="9525">
+                  <a14:hiddenLine xmlns="" xmlns:a14="http://schemas.microsoft.com/office/drawing/2010/main" w="9525">
                     <a:solidFill>
                       <a:srgbClr val="000000"/>
                     </a:solidFill>
@@ -10333,7 +10339,7 @@
               </a:ln>
               <a:extLst>
                 <a:ext uri="{91240B29-F687-4f45-9708-019B960494DF}">
-                  <a14:hiddenLine xmlns:a14="http://schemas.microsoft.com/office/drawing/2010/main" xmlns="" w="9525">
+                  <a14:hiddenLine xmlns="" xmlns:a14="http://schemas.microsoft.com/office/drawing/2010/main" w="9525">
                     <a:solidFill>
                       <a:srgbClr val="000000"/>
                     </a:solidFill>
@@ -10423,7 +10429,7 @@
               </a:ln>
               <a:extLst>
                 <a:ext uri="{91240B29-F687-4f45-9708-019B960494DF}">
-                  <a14:hiddenLine xmlns:a14="http://schemas.microsoft.com/office/drawing/2010/main" xmlns="" w="9525">
+                  <a14:hiddenLine xmlns="" xmlns:a14="http://schemas.microsoft.com/office/drawing/2010/main" w="9525">
                     <a:solidFill>
                       <a:srgbClr val="000000"/>
                     </a:solidFill>
@@ -10485,7 +10491,7 @@
               </a:ln>
               <a:extLst>
                 <a:ext uri="{91240B29-F687-4f45-9708-019B960494DF}">
-                  <a14:hiddenLine xmlns:a14="http://schemas.microsoft.com/office/drawing/2010/main" xmlns="" w="9525">
+                  <a14:hiddenLine xmlns="" xmlns:a14="http://schemas.microsoft.com/office/drawing/2010/main" w="9525">
                     <a:solidFill>
                       <a:srgbClr val="000000"/>
                     </a:solidFill>
@@ -10575,7 +10581,7 @@
               </a:ln>
               <a:extLst>
                 <a:ext uri="{91240B29-F687-4f45-9708-019B960494DF}">
-                  <a14:hiddenLine xmlns:a14="http://schemas.microsoft.com/office/drawing/2010/main" xmlns="" w="9525">
+                  <a14:hiddenLine xmlns="" xmlns:a14="http://schemas.microsoft.com/office/drawing/2010/main" w="9525">
                     <a:solidFill>
                       <a:srgbClr val="000000"/>
                     </a:solidFill>
@@ -10640,7 +10646,7 @@
               </a:ln>
               <a:extLst>
                 <a:ext uri="{91240B29-F687-4f45-9708-019B960494DF}">
-                  <a14:hiddenLine xmlns:a14="http://schemas.microsoft.com/office/drawing/2010/main" xmlns="" w="9525">
+                  <a14:hiddenLine xmlns="" xmlns:a14="http://schemas.microsoft.com/office/drawing/2010/main" w="9525">
                     <a:solidFill>
                       <a:srgbClr val="000000"/>
                     </a:solidFill>
@@ -10702,7 +10708,7 @@
               </a:ln>
               <a:extLst>
                 <a:ext uri="{91240B29-F687-4f45-9708-019B960494DF}">
-                  <a14:hiddenLine xmlns:a14="http://schemas.microsoft.com/office/drawing/2010/main" xmlns="" w="9525">
+                  <a14:hiddenLine xmlns="" xmlns:a14="http://schemas.microsoft.com/office/drawing/2010/main" w="9525">
                     <a:solidFill>
                       <a:srgbClr val="000000"/>
                     </a:solidFill>
@@ -10792,7 +10798,7 @@
               </a:ln>
               <a:extLst>
                 <a:ext uri="{91240B29-F687-4f45-9708-019B960494DF}">
-                  <a14:hiddenLine xmlns:a14="http://schemas.microsoft.com/office/drawing/2010/main" xmlns="" w="9525">
+                  <a14:hiddenLine xmlns="" xmlns:a14="http://schemas.microsoft.com/office/drawing/2010/main" w="9525">
                     <a:solidFill>
                       <a:srgbClr val="000000"/>
                     </a:solidFill>
@@ -10882,7 +10888,7 @@
               </a:ln>
               <a:extLst>
                 <a:ext uri="{91240B29-F687-4f45-9708-019B960494DF}">
-                  <a14:hiddenLine xmlns:a14="http://schemas.microsoft.com/office/drawing/2010/main" xmlns="" w="9525">
+                  <a14:hiddenLine xmlns="" xmlns:a14="http://schemas.microsoft.com/office/drawing/2010/main" w="9525">
                     <a:solidFill>
                       <a:srgbClr val="000000"/>
                     </a:solidFill>
@@ -10947,7 +10953,7 @@
               </a:ln>
               <a:extLst>
                 <a:ext uri="{91240B29-F687-4f45-9708-019B960494DF}">
-                  <a14:hiddenLine xmlns:a14="http://schemas.microsoft.com/office/drawing/2010/main" xmlns="" w="9525">
+                  <a14:hiddenLine xmlns="" xmlns:a14="http://schemas.microsoft.com/office/drawing/2010/main" w="9525">
                     <a:solidFill>
                       <a:srgbClr val="000000"/>
                     </a:solidFill>
@@ -11067,7 +11073,7 @@
               </a:ln>
               <a:extLst>
                 <a:ext uri="{91240B29-F687-4f45-9708-019B960494DF}">
-                  <a14:hiddenLine xmlns:a14="http://schemas.microsoft.com/office/drawing/2010/main" xmlns="" w="9525">
+                  <a14:hiddenLine xmlns="" xmlns:a14="http://schemas.microsoft.com/office/drawing/2010/main" w="9525">
                     <a:solidFill>
                       <a:srgbClr val="000000"/>
                     </a:solidFill>
@@ -11165,7 +11171,7 @@
               </a:ln>
               <a:extLst>
                 <a:ext uri="{91240B29-F687-4f45-9708-019B960494DF}">
-                  <a14:hiddenLine xmlns:a14="http://schemas.microsoft.com/office/drawing/2010/main" xmlns="" w="9525">
+                  <a14:hiddenLine xmlns="" xmlns:a14="http://schemas.microsoft.com/office/drawing/2010/main" w="9525">
                     <a:solidFill>
                       <a:srgbClr val="000000"/>
                     </a:solidFill>
@@ -11280,7 +11286,7 @@
               </a:ln>
               <a:extLst>
                 <a:ext uri="{91240B29-F687-4f45-9708-019B960494DF}">
-                  <a14:hiddenLine xmlns:a14="http://schemas.microsoft.com/office/drawing/2010/main" xmlns="" w="9525">
+                  <a14:hiddenLine xmlns="" xmlns:a14="http://schemas.microsoft.com/office/drawing/2010/main" w="9525">
                     <a:solidFill>
                       <a:srgbClr val="000000"/>
                     </a:solidFill>
@@ -11370,7 +11376,7 @@
               </a:ln>
               <a:extLst>
                 <a:ext uri="{91240B29-F687-4f45-9708-019B960494DF}">
-                  <a14:hiddenLine xmlns:a14="http://schemas.microsoft.com/office/drawing/2010/main" xmlns="" w="9525">
+                  <a14:hiddenLine xmlns="" xmlns:a14="http://schemas.microsoft.com/office/drawing/2010/main" w="9525">
                     <a:solidFill>
                       <a:srgbClr val="000000"/>
                     </a:solidFill>
@@ -11435,7 +11441,7 @@
               </a:ln>
               <a:extLst>
                 <a:ext uri="{91240B29-F687-4f45-9708-019B960494DF}">
-                  <a14:hiddenLine xmlns:a14="http://schemas.microsoft.com/office/drawing/2010/main" xmlns="" w="9525">
+                  <a14:hiddenLine xmlns="" xmlns:a14="http://schemas.microsoft.com/office/drawing/2010/main" w="9525">
                     <a:solidFill>
                       <a:srgbClr val="000000"/>
                     </a:solidFill>
@@ -11525,7 +11531,7 @@
               </a:ln>
               <a:extLst>
                 <a:ext uri="{91240B29-F687-4f45-9708-019B960494DF}">
-                  <a14:hiddenLine xmlns:a14="http://schemas.microsoft.com/office/drawing/2010/main" xmlns="" w="9525">
+                  <a14:hiddenLine xmlns="" xmlns:a14="http://schemas.microsoft.com/office/drawing/2010/main" w="9525">
                     <a:solidFill>
                       <a:srgbClr val="000000"/>
                     </a:solidFill>
@@ -11593,7 +11599,7 @@
               </a:ln>
               <a:extLst>
                 <a:ext uri="{91240B29-F687-4f45-9708-019B960494DF}">
-                  <a14:hiddenLine xmlns:a14="http://schemas.microsoft.com/office/drawing/2010/main" xmlns="" w="9525">
+                  <a14:hiddenLine xmlns="" xmlns:a14="http://schemas.microsoft.com/office/drawing/2010/main" w="9525">
                     <a:solidFill>
                       <a:srgbClr val="000000"/>
                     </a:solidFill>
@@ -11683,7 +11689,7 @@
               </a:ln>
               <a:extLst>
                 <a:ext uri="{91240B29-F687-4f45-9708-019B960494DF}">
-                  <a14:hiddenLine xmlns:a14="http://schemas.microsoft.com/office/drawing/2010/main" xmlns="" w="9525">
+                  <a14:hiddenLine xmlns="" xmlns:a14="http://schemas.microsoft.com/office/drawing/2010/main" w="9525">
                     <a:solidFill>
                       <a:srgbClr val="000000"/>
                     </a:solidFill>
@@ -11751,7 +11757,7 @@
               </a:ln>
               <a:extLst>
                 <a:ext uri="{91240B29-F687-4f45-9708-019B960494DF}">
-                  <a14:hiddenLine xmlns:a14="http://schemas.microsoft.com/office/drawing/2010/main" xmlns="" w="9525">
+                  <a14:hiddenLine xmlns="" xmlns:a14="http://schemas.microsoft.com/office/drawing/2010/main" w="9525">
                     <a:solidFill>
                       <a:srgbClr val="000000"/>
                     </a:solidFill>
@@ -11841,7 +11847,7 @@
               </a:ln>
               <a:extLst>
                 <a:ext uri="{91240B29-F687-4f45-9708-019B960494DF}">
-                  <a14:hiddenLine xmlns:a14="http://schemas.microsoft.com/office/drawing/2010/main" xmlns="" w="9525">
+                  <a14:hiddenLine xmlns="" xmlns:a14="http://schemas.microsoft.com/office/drawing/2010/main" w="9525">
                     <a:solidFill>
                       <a:srgbClr val="000000"/>
                     </a:solidFill>
@@ -11875,7 +11881,7 @@
               </a:ln>
               <a:extLst>
                 <a:ext uri="{91240B29-F687-4f45-9708-019B960494DF}">
-                  <a14:hiddenLine xmlns:a14="http://schemas.microsoft.com/office/drawing/2010/main" xmlns="" w="9525">
+                  <a14:hiddenLine xmlns="" xmlns:a14="http://schemas.microsoft.com/office/drawing/2010/main" w="9525">
                     <a:solidFill>
                       <a:srgbClr val="000000"/>
                     </a:solidFill>
@@ -12016,7 +12022,7 @@
             <a:fld id="{48A87A34-81AB-432B-8DAE-1953F412C126}" type="datetimeFigureOut">
               <a:rPr lang="en-US" smtClean="0"/>
               <a:pPr/>
-              <a:t>09/10/2018</a:t>
+              <a:t>10/10/2018</a:t>
             </a:fld>
             <a:endParaRPr lang="en-US" dirty="0"/>
           </a:p>
@@ -13120,7 +13126,14 @@
           <a:bodyPr/>
           <a:lstStyle/>
           <a:p>
-            <a:endParaRPr lang="en-US"/>
+            <a:r>
+              <a:rPr lang="en-US" dirty="0" err="1"/>
+              <a:t>Ibm</a:t>
+            </a:r>
+            <a:r>
+              <a:rPr lang="en-US" dirty="0"/>
+              <a:t> </a:t>
+            </a:r>
           </a:p>
         </p:txBody>
       </p:sp>
@@ -13145,7 +13158,70 @@
           <a:bodyPr/>
           <a:lstStyle/>
           <a:p>
-            <a:endParaRPr lang="en-US"/>
+            <a:r>
+              <a:rPr lang="en-US" dirty="0"/>
+              <a:t>Deployed Task 1 to IBM Cloud</a:t>
+            </a:r>
+          </a:p>
+          <a:p>
+            <a:pPr lvl="1"/>
+            <a:r>
+              <a:rPr lang="en-US" dirty="0"/>
+              <a:t>https://ties4560task1.eu-gb.mybluemix.net/</a:t>
+            </a:r>
+          </a:p>
+          <a:p>
+            <a:pPr lvl="1"/>
+            <a:r>
+              <a:rPr lang="en-US" dirty="0"/>
+              <a:t>Although couldn’t get the application running on cloud due to issues with heap memory…</a:t>
+            </a:r>
+          </a:p>
+          <a:p>
+            <a:r>
+              <a:rPr lang="en-US" dirty="0">
+                <a:hlinkClick r:id="rId2"/>
+              </a:rPr>
+              <a:t>Straightforward documentation</a:t>
+            </a:r>
+            <a:r>
+              <a:rPr lang="en-US" dirty="0"/>
+              <a:t>, supports both Tomcat and Java web apps</a:t>
+            </a:r>
+          </a:p>
+          <a:p>
+            <a:r>
+              <a:rPr lang="en-US" dirty="0" err="1"/>
+              <a:t>Prequisities</a:t>
+            </a:r>
+            <a:endParaRPr lang="en-US" dirty="0"/>
+          </a:p>
+          <a:p>
+            <a:pPr lvl="1"/>
+            <a:r>
+              <a:rPr lang="en-US" dirty="0"/>
+              <a:t>Free Eclipse IDE for Java Developers</a:t>
+            </a:r>
+          </a:p>
+          <a:p>
+            <a:pPr lvl="1"/>
+            <a:r>
+              <a:rPr lang="en-US" dirty="0">
+                <a:hlinkClick r:id="rId3"/>
+              </a:rPr>
+              <a:t>Free IBM Cloud support tools </a:t>
+            </a:r>
+            <a:r>
+              <a:rPr lang="en-US" dirty="0"/>
+              <a:t>or </a:t>
+            </a:r>
+            <a:r>
+              <a:rPr lang="en-US" dirty="0">
+                <a:hlinkClick r:id="rId4"/>
+              </a:rPr>
+              <a:t>support for IBM Cloud CLI</a:t>
+            </a:r>
+            <a:endParaRPr lang="en-US" dirty="0"/>
           </a:p>
         </p:txBody>
       </p:sp>
@@ -13153,6 +13229,1241 @@
     <p:extLst>
       <p:ext uri="{BB962C8B-B14F-4D97-AF65-F5344CB8AC3E}">
         <p14:creationId xmlns:p14="http://schemas.microsoft.com/office/powerpoint/2010/main" val="4114357052"/>
+      </p:ext>
+    </p:extLst>
+  </p:cSld>
+  <p:clrMapOvr>
+    <a:masterClrMapping/>
+  </p:clrMapOvr>
+</p:sld>
+</file>
+
+<file path=ppt/slides/slide6.xml><?xml version="1.0" encoding="utf-8"?>
+<p:sld xmlns:a="http://schemas.openxmlformats.org/drawingml/2006/main" xmlns:r="http://schemas.openxmlformats.org/officeDocument/2006/relationships" xmlns:p="http://schemas.openxmlformats.org/presentationml/2006/main">
+  <p:cSld>
+    <p:spTree>
+      <p:nvGrpSpPr>
+        <p:cNvPr id="1" name=""/>
+        <p:cNvGrpSpPr/>
+        <p:nvPr/>
+      </p:nvGrpSpPr>
+      <p:grpSpPr>
+        <a:xfrm>
+          <a:off x="0" y="0"/>
+          <a:ext cx="0" cy="0"/>
+          <a:chOff x="0" y="0"/>
+          <a:chExt cx="0" cy="0"/>
+        </a:xfrm>
+      </p:grpSpPr>
+      <p:sp>
+        <p:nvSpPr>
+          <p:cNvPr id="2" name="Otsikko 1">
+            <a:extLst>
+              <a:ext uri="{FF2B5EF4-FFF2-40B4-BE49-F238E27FC236}">
+                <a16:creationId xmlns:a16="http://schemas.microsoft.com/office/drawing/2014/main" id="{487D382F-05AD-4920-B827-496614D2015C}"/>
+              </a:ext>
+            </a:extLst>
+          </p:cNvPr>
+          <p:cNvSpPr>
+            <a:spLocks noGrp="1"/>
+          </p:cNvSpPr>
+          <p:nvPr>
+            <p:ph type="title"/>
+          </p:nvPr>
+        </p:nvSpPr>
+        <p:spPr/>
+        <p:txBody>
+          <a:bodyPr/>
+          <a:lstStyle/>
+          <a:p>
+            <a:endParaRPr lang="fi-FI"/>
+          </a:p>
+        </p:txBody>
+      </p:sp>
+      <p:sp>
+        <p:nvSpPr>
+          <p:cNvPr id="3" name="Sisällön paikkamerkki 2">
+            <a:extLst>
+              <a:ext uri="{FF2B5EF4-FFF2-40B4-BE49-F238E27FC236}">
+                <a16:creationId xmlns:a16="http://schemas.microsoft.com/office/drawing/2014/main" id="{865C90EE-F885-4EC4-BB24-48B025F6E4D5}"/>
+              </a:ext>
+            </a:extLst>
+          </p:cNvPr>
+          <p:cNvSpPr>
+            <a:spLocks noGrp="1"/>
+          </p:cNvSpPr>
+          <p:nvPr>
+            <p:ph idx="1"/>
+          </p:nvPr>
+        </p:nvSpPr>
+        <p:spPr/>
+        <p:txBody>
+          <a:bodyPr>
+            <a:normAutofit fontScale="77500" lnSpcReduction="20000"/>
+          </a:bodyPr>
+          <a:lstStyle/>
+          <a:p>
+            <a:r>
+              <a:rPr lang="fi-FI" dirty="0" err="1"/>
+              <a:t>Register</a:t>
+            </a:r>
+            <a:r>
+              <a:rPr lang="fi-FI" dirty="0"/>
+              <a:t> to IBM </a:t>
+            </a:r>
+            <a:r>
+              <a:rPr lang="fi-FI" dirty="0" err="1"/>
+              <a:t>Cloud</a:t>
+            </a:r>
+            <a:r>
+              <a:rPr lang="fi-FI" dirty="0"/>
+              <a:t> and </a:t>
+            </a:r>
+            <a:r>
+              <a:rPr lang="fi-FI" dirty="0" err="1"/>
+              <a:t>create</a:t>
+            </a:r>
+            <a:r>
+              <a:rPr lang="fi-FI" dirty="0"/>
+              <a:t> </a:t>
+            </a:r>
+            <a:r>
+              <a:rPr lang="fi-FI" dirty="0" err="1"/>
+              <a:t>new</a:t>
+            </a:r>
+            <a:r>
+              <a:rPr lang="fi-FI" dirty="0"/>
+              <a:t> </a:t>
+            </a:r>
+            <a:r>
+              <a:rPr lang="fi-FI" dirty="0" err="1"/>
+              <a:t>resource</a:t>
+            </a:r>
+            <a:endParaRPr lang="fi-FI" dirty="0"/>
+          </a:p>
+          <a:p>
+            <a:pPr lvl="1"/>
+            <a:r>
+              <a:rPr lang="fi-FI" dirty="0" err="1"/>
+              <a:t>Choose</a:t>
+            </a:r>
+            <a:r>
+              <a:rPr lang="fi-FI" dirty="0"/>
+              <a:t> </a:t>
+            </a:r>
+            <a:r>
+              <a:rPr lang="fi-FI" dirty="0" err="1"/>
+              <a:t>the</a:t>
+            </a:r>
+            <a:r>
+              <a:rPr lang="fi-FI" dirty="0"/>
+              <a:t> </a:t>
+            </a:r>
+            <a:r>
+              <a:rPr lang="fi-FI" dirty="0" err="1"/>
+              <a:t>type</a:t>
+            </a:r>
+            <a:r>
+              <a:rPr lang="fi-FI" dirty="0"/>
+              <a:t> of </a:t>
+            </a:r>
+            <a:r>
+              <a:rPr lang="fi-FI" dirty="0" err="1"/>
+              <a:t>application</a:t>
+            </a:r>
+            <a:r>
+              <a:rPr lang="fi-FI" dirty="0"/>
+              <a:t> to </a:t>
+            </a:r>
+            <a:r>
+              <a:rPr lang="fi-FI" dirty="0" err="1"/>
+              <a:t>run</a:t>
+            </a:r>
+            <a:r>
+              <a:rPr lang="fi-FI" dirty="0"/>
+              <a:t> on </a:t>
+            </a:r>
+            <a:r>
+              <a:rPr lang="fi-FI" dirty="0" err="1"/>
+              <a:t>the</a:t>
+            </a:r>
+            <a:r>
+              <a:rPr lang="fi-FI" dirty="0"/>
+              <a:t> </a:t>
+            </a:r>
+            <a:r>
+              <a:rPr lang="fi-FI" dirty="0" err="1"/>
+              <a:t>server</a:t>
+            </a:r>
+            <a:endParaRPr lang="fi-FI" dirty="0"/>
+          </a:p>
+          <a:p>
+            <a:pPr lvl="1"/>
+            <a:r>
+              <a:rPr lang="fi-FI" dirty="0" err="1"/>
+              <a:t>Give</a:t>
+            </a:r>
+            <a:r>
+              <a:rPr lang="fi-FI" dirty="0"/>
+              <a:t> a </a:t>
+            </a:r>
+            <a:r>
+              <a:rPr lang="fi-FI" dirty="0" err="1"/>
+              <a:t>name</a:t>
+            </a:r>
+            <a:r>
+              <a:rPr lang="fi-FI" dirty="0"/>
+              <a:t> to </a:t>
+            </a:r>
+            <a:r>
+              <a:rPr lang="fi-FI" dirty="0" err="1"/>
+              <a:t>the</a:t>
+            </a:r>
+            <a:r>
+              <a:rPr lang="fi-FI" dirty="0"/>
+              <a:t> </a:t>
+            </a:r>
+            <a:r>
+              <a:rPr lang="fi-FI" dirty="0" err="1"/>
+              <a:t>application</a:t>
+            </a:r>
+            <a:endParaRPr lang="fi-FI" dirty="0"/>
+          </a:p>
+          <a:p>
+            <a:pPr lvl="1"/>
+            <a:r>
+              <a:rPr lang="fi-FI" dirty="0" err="1"/>
+              <a:t>Choose</a:t>
+            </a:r>
+            <a:r>
+              <a:rPr lang="fi-FI" dirty="0"/>
+              <a:t> domain and </a:t>
+            </a:r>
+            <a:r>
+              <a:rPr lang="fi-FI" dirty="0" err="1"/>
+              <a:t>region</a:t>
+            </a:r>
+            <a:endParaRPr lang="fi-FI" dirty="0"/>
+          </a:p>
+          <a:p>
+            <a:pPr lvl="1"/>
+            <a:r>
+              <a:rPr lang="fi-FI" dirty="0" err="1"/>
+              <a:t>Users</a:t>
+            </a:r>
+            <a:r>
+              <a:rPr lang="fi-FI" dirty="0"/>
+              <a:t> </a:t>
+            </a:r>
+            <a:r>
+              <a:rPr lang="fi-FI" dirty="0" err="1"/>
+              <a:t>are</a:t>
+            </a:r>
+            <a:r>
+              <a:rPr lang="fi-FI" dirty="0"/>
+              <a:t> </a:t>
+            </a:r>
+            <a:r>
+              <a:rPr lang="fi-FI" dirty="0" err="1"/>
+              <a:t>offered</a:t>
+            </a:r>
+            <a:r>
+              <a:rPr lang="fi-FI" dirty="0"/>
+              <a:t> </a:t>
+            </a:r>
+            <a:r>
+              <a:rPr lang="fi-FI" dirty="0" err="1"/>
+              <a:t>memory</a:t>
+            </a:r>
+            <a:r>
+              <a:rPr lang="fi-FI" dirty="0"/>
+              <a:t> </a:t>
+            </a:r>
+            <a:r>
+              <a:rPr lang="fi-FI" dirty="0" err="1"/>
+              <a:t>up</a:t>
+            </a:r>
+            <a:r>
+              <a:rPr lang="fi-FI" dirty="0"/>
+              <a:t> to 256 MB for </a:t>
+            </a:r>
+            <a:r>
+              <a:rPr lang="fi-FI" dirty="0" err="1"/>
+              <a:t>free</a:t>
+            </a:r>
+            <a:endParaRPr lang="fi-FI" dirty="0"/>
+          </a:p>
+          <a:p>
+            <a:r>
+              <a:rPr lang="fi-FI" dirty="0"/>
+              <a:t>Open </a:t>
+            </a:r>
+            <a:r>
+              <a:rPr lang="fi-FI" dirty="0" err="1"/>
+              <a:t>command</a:t>
+            </a:r>
+            <a:r>
+              <a:rPr lang="fi-FI" dirty="0"/>
+              <a:t> </a:t>
+            </a:r>
+            <a:r>
+              <a:rPr lang="fi-FI" dirty="0" err="1"/>
+              <a:t>prompt</a:t>
+            </a:r>
+            <a:r>
+              <a:rPr lang="fi-FI" dirty="0"/>
+              <a:t> and </a:t>
+            </a:r>
+            <a:r>
+              <a:rPr lang="fi-FI" dirty="0" err="1"/>
+              <a:t>connect</a:t>
+            </a:r>
+            <a:r>
+              <a:rPr lang="fi-FI" dirty="0"/>
+              <a:t> to </a:t>
+            </a:r>
+            <a:r>
+              <a:rPr lang="fi-FI" dirty="0" err="1"/>
+              <a:t>the</a:t>
+            </a:r>
+            <a:r>
+              <a:rPr lang="fi-FI" dirty="0"/>
+              <a:t> IBM </a:t>
+            </a:r>
+            <a:r>
+              <a:rPr lang="fi-FI" dirty="0" err="1"/>
+              <a:t>Cloud</a:t>
+            </a:r>
+            <a:endParaRPr lang="fi-FI" dirty="0"/>
+          </a:p>
+          <a:p>
+            <a:pPr lvl="1"/>
+            <a:r>
+              <a:rPr lang="fi-FI" dirty="0"/>
+              <a:t> </a:t>
+            </a:r>
+            <a:r>
+              <a:rPr lang="fi-FI" dirty="0" err="1"/>
+              <a:t>You</a:t>
+            </a:r>
+            <a:r>
+              <a:rPr lang="fi-FI" dirty="0"/>
+              <a:t> </a:t>
+            </a:r>
+            <a:r>
+              <a:rPr lang="fi-FI" dirty="0" err="1"/>
+              <a:t>can</a:t>
+            </a:r>
+            <a:r>
+              <a:rPr lang="fi-FI" dirty="0"/>
+              <a:t> </a:t>
+            </a:r>
+            <a:r>
+              <a:rPr lang="fi-FI" dirty="0" err="1"/>
+              <a:t>access</a:t>
+            </a:r>
+            <a:r>
+              <a:rPr lang="fi-FI" dirty="0"/>
+              <a:t> </a:t>
+            </a:r>
+            <a:r>
+              <a:rPr lang="fi-FI" dirty="0" err="1"/>
+              <a:t>the</a:t>
+            </a:r>
+            <a:r>
+              <a:rPr lang="fi-FI" dirty="0"/>
+              <a:t> </a:t>
+            </a:r>
+            <a:r>
+              <a:rPr lang="fi-FI" dirty="0" err="1"/>
+              <a:t>cloud</a:t>
+            </a:r>
+            <a:r>
+              <a:rPr lang="fi-FI" dirty="0"/>
+              <a:t> </a:t>
+            </a:r>
+            <a:r>
+              <a:rPr lang="fi-FI" dirty="0" err="1"/>
+              <a:t>with</a:t>
+            </a:r>
+            <a:r>
+              <a:rPr lang="fi-FI" dirty="0"/>
+              <a:t> </a:t>
+            </a:r>
+            <a:r>
+              <a:rPr lang="fi-FI" dirty="0" err="1"/>
+              <a:t>either</a:t>
+            </a:r>
+            <a:r>
+              <a:rPr lang="fi-FI" dirty="0"/>
+              <a:t> </a:t>
+            </a:r>
+            <a:r>
+              <a:rPr lang="fi-FI" dirty="0" err="1"/>
+              <a:t>bluemix</a:t>
+            </a:r>
+            <a:r>
+              <a:rPr lang="fi-FI" dirty="0"/>
+              <a:t> (i.e. </a:t>
+            </a:r>
+            <a:r>
+              <a:rPr lang="fi-FI" dirty="0" err="1">
+                <a:solidFill>
+                  <a:schemeClr val="bg2">
+                    <a:lumMod val="40000"/>
+                    <a:lumOff val="60000"/>
+                  </a:schemeClr>
+                </a:solidFill>
+              </a:rPr>
+              <a:t>bluemix</a:t>
+            </a:r>
+            <a:r>
+              <a:rPr lang="fi-FI" dirty="0">
+                <a:solidFill>
+                  <a:schemeClr val="bg2">
+                    <a:lumMod val="40000"/>
+                    <a:lumOff val="60000"/>
+                  </a:schemeClr>
+                </a:solidFill>
+              </a:rPr>
+              <a:t> </a:t>
+            </a:r>
+            <a:r>
+              <a:rPr lang="fi-FI" dirty="0" err="1">
+                <a:solidFill>
+                  <a:schemeClr val="bg2">
+                    <a:lumMod val="40000"/>
+                    <a:lumOff val="60000"/>
+                  </a:schemeClr>
+                </a:solidFill>
+              </a:rPr>
+              <a:t>api</a:t>
+            </a:r>
+            <a:r>
+              <a:rPr lang="fi-FI" dirty="0">
+                <a:solidFill>
+                  <a:schemeClr val="bg2">
+                    <a:lumMod val="40000"/>
+                    <a:lumOff val="60000"/>
+                  </a:schemeClr>
+                </a:solidFill>
+              </a:rPr>
+              <a:t> https://api.eu-de.bluemix.net</a:t>
+            </a:r>
+            <a:r>
+              <a:rPr lang="fi-FI" dirty="0"/>
+              <a:t> ) </a:t>
+            </a:r>
+            <a:r>
+              <a:rPr lang="fi-FI" dirty="0" err="1"/>
+              <a:t>or</a:t>
+            </a:r>
+            <a:r>
+              <a:rPr lang="fi-FI" dirty="0"/>
+              <a:t> </a:t>
+            </a:r>
+            <a:r>
+              <a:rPr lang="fi-FI" dirty="0" err="1"/>
+              <a:t>cf</a:t>
+            </a:r>
+            <a:r>
+              <a:rPr lang="fi-FI" dirty="0"/>
+              <a:t> </a:t>
+            </a:r>
+            <a:r>
+              <a:rPr lang="fi-FI" dirty="0" err="1"/>
+              <a:t>commands</a:t>
+            </a:r>
+            <a:endParaRPr lang="fi-FI" dirty="0"/>
+          </a:p>
+          <a:p>
+            <a:pPr lvl="1"/>
+            <a:r>
+              <a:rPr lang="fi-FI" dirty="0" err="1"/>
+              <a:t>Login</a:t>
+            </a:r>
+            <a:r>
+              <a:rPr lang="fi-FI" dirty="0"/>
+              <a:t> </a:t>
+            </a:r>
+            <a:r>
+              <a:rPr lang="fi-FI" dirty="0" err="1"/>
+              <a:t>with</a:t>
+            </a:r>
+            <a:r>
+              <a:rPr lang="fi-FI" dirty="0"/>
+              <a:t> </a:t>
+            </a:r>
+            <a:r>
+              <a:rPr lang="fi-FI" dirty="0" err="1"/>
+              <a:t>your</a:t>
+            </a:r>
+            <a:r>
+              <a:rPr lang="fi-FI" dirty="0"/>
+              <a:t> </a:t>
+            </a:r>
+            <a:r>
+              <a:rPr lang="fi-FI" dirty="0" err="1"/>
+              <a:t>username</a:t>
+            </a:r>
+            <a:r>
+              <a:rPr lang="fi-FI" dirty="0"/>
+              <a:t> and </a:t>
+            </a:r>
+            <a:r>
+              <a:rPr lang="fi-FI" dirty="0" err="1"/>
+              <a:t>password</a:t>
+            </a:r>
+            <a:r>
+              <a:rPr lang="fi-FI" dirty="0"/>
+              <a:t> (i.e. </a:t>
+            </a:r>
+            <a:r>
+              <a:rPr lang="fi-FI" dirty="0" err="1">
+                <a:solidFill>
+                  <a:schemeClr val="bg2">
+                    <a:lumMod val="40000"/>
+                    <a:lumOff val="60000"/>
+                  </a:schemeClr>
+                </a:solidFill>
+              </a:rPr>
+              <a:t>bluemix</a:t>
+            </a:r>
+            <a:r>
+              <a:rPr lang="fi-FI" dirty="0">
+                <a:solidFill>
+                  <a:schemeClr val="bg2">
+                    <a:lumMod val="40000"/>
+                    <a:lumOff val="60000"/>
+                  </a:schemeClr>
+                </a:solidFill>
+              </a:rPr>
+              <a:t> </a:t>
+            </a:r>
+            <a:r>
+              <a:rPr lang="fi-FI" dirty="0" err="1">
+                <a:solidFill>
+                  <a:schemeClr val="bg2">
+                    <a:lumMod val="40000"/>
+                    <a:lumOff val="60000"/>
+                  </a:schemeClr>
+                </a:solidFill>
+              </a:rPr>
+              <a:t>login</a:t>
+            </a:r>
+            <a:r>
+              <a:rPr lang="fi-FI" dirty="0">
+                <a:solidFill>
+                  <a:schemeClr val="bg2">
+                    <a:lumMod val="40000"/>
+                    <a:lumOff val="60000"/>
+                  </a:schemeClr>
+                </a:solidFill>
+              </a:rPr>
+              <a:t> –u </a:t>
+            </a:r>
+            <a:r>
+              <a:rPr lang="fi-FI" dirty="0" err="1">
+                <a:solidFill>
+                  <a:schemeClr val="bg2">
+                    <a:lumMod val="40000"/>
+                    <a:lumOff val="60000"/>
+                  </a:schemeClr>
+                </a:solidFill>
+              </a:rPr>
+              <a:t>username</a:t>
+            </a:r>
+            <a:r>
+              <a:rPr lang="fi-FI" dirty="0"/>
+              <a:t>)</a:t>
+            </a:r>
+          </a:p>
+          <a:p>
+            <a:pPr lvl="1"/>
+            <a:r>
+              <a:rPr lang="fi-FI" dirty="0" err="1"/>
+              <a:t>Specify</a:t>
+            </a:r>
+            <a:r>
+              <a:rPr lang="fi-FI" dirty="0"/>
+              <a:t> </a:t>
+            </a:r>
+            <a:r>
+              <a:rPr lang="fi-FI" dirty="0" err="1"/>
+              <a:t>the</a:t>
+            </a:r>
+            <a:r>
+              <a:rPr lang="fi-FI" dirty="0"/>
+              <a:t> </a:t>
+            </a:r>
+            <a:r>
+              <a:rPr lang="fi-FI" dirty="0" err="1"/>
+              <a:t>region</a:t>
+            </a:r>
+            <a:r>
+              <a:rPr lang="fi-FI" dirty="0"/>
+              <a:t>, </a:t>
+            </a:r>
+            <a:r>
+              <a:rPr lang="fi-FI" dirty="0" err="1"/>
+              <a:t>organization</a:t>
+            </a:r>
+            <a:r>
+              <a:rPr lang="fi-FI" dirty="0"/>
+              <a:t> and </a:t>
+            </a:r>
+            <a:r>
+              <a:rPr lang="fi-FI" dirty="0" err="1"/>
+              <a:t>space</a:t>
+            </a:r>
+            <a:r>
+              <a:rPr lang="fi-FI" dirty="0"/>
+              <a:t> on </a:t>
+            </a:r>
+            <a:r>
+              <a:rPr lang="fi-FI" dirty="0" err="1"/>
+              <a:t>your</a:t>
+            </a:r>
+            <a:r>
+              <a:rPr lang="fi-FI" dirty="0"/>
+              <a:t> </a:t>
+            </a:r>
+            <a:r>
+              <a:rPr lang="fi-FI" dirty="0" err="1"/>
+              <a:t>account</a:t>
+            </a:r>
+            <a:endParaRPr lang="fi-FI" dirty="0"/>
+          </a:p>
+          <a:p>
+            <a:pPr lvl="1"/>
+            <a:r>
+              <a:rPr lang="fi-FI" dirty="0" err="1"/>
+              <a:t>Give</a:t>
+            </a:r>
+            <a:r>
+              <a:rPr lang="fi-FI" dirty="0"/>
+              <a:t> </a:t>
+            </a:r>
+            <a:r>
+              <a:rPr lang="fi-FI" dirty="0" err="1"/>
+              <a:t>the</a:t>
+            </a:r>
+            <a:r>
+              <a:rPr lang="fi-FI" dirty="0"/>
+              <a:t> </a:t>
+            </a:r>
+            <a:r>
+              <a:rPr lang="fi-FI" dirty="0" err="1"/>
+              <a:t>app</a:t>
+            </a:r>
+            <a:r>
+              <a:rPr lang="fi-FI" dirty="0"/>
+              <a:t> </a:t>
+            </a:r>
+            <a:r>
+              <a:rPr lang="fi-FI" dirty="0" err="1"/>
+              <a:t>push</a:t>
+            </a:r>
+            <a:r>
+              <a:rPr lang="fi-FI" dirty="0"/>
+              <a:t> </a:t>
+            </a:r>
+            <a:r>
+              <a:rPr lang="fi-FI" dirty="0" err="1"/>
+              <a:t>command</a:t>
+            </a:r>
+            <a:r>
+              <a:rPr lang="fi-FI" dirty="0"/>
+              <a:t> </a:t>
+            </a:r>
+            <a:r>
+              <a:rPr lang="fi-FI" dirty="0" err="1"/>
+              <a:t>with</a:t>
+            </a:r>
+            <a:r>
+              <a:rPr lang="fi-FI" dirty="0"/>
+              <a:t> </a:t>
+            </a:r>
+            <a:r>
+              <a:rPr lang="fi-FI" dirty="0" err="1"/>
+              <a:t>using</a:t>
+            </a:r>
+            <a:r>
+              <a:rPr lang="fi-FI" dirty="0"/>
+              <a:t> </a:t>
+            </a:r>
+            <a:r>
+              <a:rPr lang="fi-FI" dirty="0" err="1"/>
+              <a:t>either</a:t>
+            </a:r>
+            <a:r>
+              <a:rPr lang="fi-FI" dirty="0"/>
+              <a:t> </a:t>
+            </a:r>
+            <a:r>
+              <a:rPr lang="fi-FI" dirty="0" err="1">
+                <a:solidFill>
+                  <a:schemeClr val="bg2">
+                    <a:lumMod val="40000"/>
+                    <a:lumOff val="60000"/>
+                  </a:schemeClr>
+                </a:solidFill>
+              </a:rPr>
+              <a:t>bluemix</a:t>
+            </a:r>
+            <a:r>
+              <a:rPr lang="fi-FI" dirty="0">
+                <a:solidFill>
+                  <a:schemeClr val="bg2">
+                    <a:lumMod val="40000"/>
+                    <a:lumOff val="60000"/>
+                  </a:schemeClr>
+                </a:solidFill>
+              </a:rPr>
+              <a:t> </a:t>
+            </a:r>
+            <a:r>
+              <a:rPr lang="fi-FI" dirty="0" err="1">
+                <a:solidFill>
+                  <a:schemeClr val="bg2">
+                    <a:lumMod val="40000"/>
+                    <a:lumOff val="60000"/>
+                  </a:schemeClr>
+                </a:solidFill>
+              </a:rPr>
+              <a:t>app</a:t>
+            </a:r>
+            <a:r>
+              <a:rPr lang="fi-FI" dirty="0">
+                <a:solidFill>
+                  <a:schemeClr val="bg2">
+                    <a:lumMod val="40000"/>
+                    <a:lumOff val="60000"/>
+                  </a:schemeClr>
+                </a:solidFill>
+              </a:rPr>
+              <a:t> </a:t>
+            </a:r>
+            <a:r>
+              <a:rPr lang="fi-FI" dirty="0" err="1">
+                <a:solidFill>
+                  <a:schemeClr val="bg2">
+                    <a:lumMod val="40000"/>
+                    <a:lumOff val="60000"/>
+                  </a:schemeClr>
+                </a:solidFill>
+              </a:rPr>
+              <a:t>push</a:t>
+            </a:r>
+            <a:r>
+              <a:rPr lang="fi-FI" dirty="0">
+                <a:solidFill>
+                  <a:schemeClr val="bg2">
+                    <a:lumMod val="40000"/>
+                    <a:lumOff val="60000"/>
+                  </a:schemeClr>
+                </a:solidFill>
+              </a:rPr>
+              <a:t> </a:t>
+            </a:r>
+            <a:r>
+              <a:rPr lang="fi-FI" dirty="0" err="1">
+                <a:solidFill>
+                  <a:schemeClr val="bg2">
+                    <a:lumMod val="40000"/>
+                    <a:lumOff val="60000"/>
+                  </a:schemeClr>
+                </a:solidFill>
+              </a:rPr>
+              <a:t>app.war</a:t>
+            </a:r>
+            <a:r>
+              <a:rPr lang="fi-FI" dirty="0">
+                <a:solidFill>
+                  <a:schemeClr val="bg2">
+                    <a:lumMod val="40000"/>
+                    <a:lumOff val="60000"/>
+                  </a:schemeClr>
+                </a:solidFill>
+              </a:rPr>
+              <a:t> </a:t>
+            </a:r>
+            <a:r>
+              <a:rPr lang="fi-FI" dirty="0" err="1"/>
+              <a:t>or</a:t>
+            </a:r>
+            <a:r>
+              <a:rPr lang="fi-FI" dirty="0"/>
+              <a:t> </a:t>
+            </a:r>
+            <a:r>
+              <a:rPr lang="fi-FI" dirty="0" err="1">
+                <a:solidFill>
+                  <a:schemeClr val="bg2">
+                    <a:lumMod val="40000"/>
+                    <a:lumOff val="60000"/>
+                  </a:schemeClr>
+                </a:solidFill>
+              </a:rPr>
+              <a:t>cf</a:t>
+            </a:r>
+            <a:r>
+              <a:rPr lang="fi-FI" dirty="0">
+                <a:solidFill>
+                  <a:schemeClr val="bg2">
+                    <a:lumMod val="40000"/>
+                    <a:lumOff val="60000"/>
+                  </a:schemeClr>
+                </a:solidFill>
+              </a:rPr>
+              <a:t> </a:t>
+            </a:r>
+            <a:r>
+              <a:rPr lang="fi-FI" dirty="0" err="1">
+                <a:solidFill>
+                  <a:schemeClr val="bg2">
+                    <a:lumMod val="40000"/>
+                    <a:lumOff val="60000"/>
+                  </a:schemeClr>
+                </a:solidFill>
+              </a:rPr>
+              <a:t>push</a:t>
+            </a:r>
+            <a:r>
+              <a:rPr lang="fi-FI" dirty="0">
+                <a:solidFill>
+                  <a:schemeClr val="bg2">
+                    <a:lumMod val="40000"/>
+                    <a:lumOff val="60000"/>
+                  </a:schemeClr>
+                </a:solidFill>
+              </a:rPr>
+              <a:t> –p </a:t>
+            </a:r>
+            <a:r>
+              <a:rPr lang="fi-FI" dirty="0" err="1">
+                <a:solidFill>
+                  <a:schemeClr val="bg2">
+                    <a:lumMod val="40000"/>
+                    <a:lumOff val="60000"/>
+                  </a:schemeClr>
+                </a:solidFill>
+              </a:rPr>
+              <a:t>app.war</a:t>
+            </a:r>
+            <a:r>
+              <a:rPr lang="fi-FI" dirty="0">
+                <a:solidFill>
+                  <a:schemeClr val="bg2">
+                    <a:lumMod val="40000"/>
+                    <a:lumOff val="60000"/>
+                  </a:schemeClr>
+                </a:solidFill>
+              </a:rPr>
+              <a:t> </a:t>
+            </a:r>
+            <a:r>
+              <a:rPr lang="fi-FI" dirty="0" err="1"/>
+              <a:t>if</a:t>
+            </a:r>
+            <a:r>
+              <a:rPr lang="fi-FI" dirty="0"/>
+              <a:t> </a:t>
+            </a:r>
+            <a:r>
+              <a:rPr lang="fi-FI" dirty="0" err="1"/>
+              <a:t>you</a:t>
+            </a:r>
+            <a:r>
+              <a:rPr lang="fi-FI" dirty="0"/>
+              <a:t> </a:t>
+            </a:r>
+            <a:r>
+              <a:rPr lang="fi-FI" dirty="0" err="1"/>
+              <a:t>are</a:t>
+            </a:r>
+            <a:r>
+              <a:rPr lang="fi-FI" dirty="0"/>
+              <a:t> </a:t>
+            </a:r>
+            <a:r>
+              <a:rPr lang="fi-FI" dirty="0" err="1"/>
+              <a:t>pushing</a:t>
+            </a:r>
+            <a:r>
+              <a:rPr lang="fi-FI" dirty="0"/>
+              <a:t> </a:t>
+            </a:r>
+            <a:r>
+              <a:rPr lang="fi-FI" dirty="0" err="1"/>
+              <a:t>with</a:t>
+            </a:r>
+            <a:r>
+              <a:rPr lang="fi-FI" dirty="0"/>
+              <a:t> a </a:t>
+            </a:r>
+            <a:r>
+              <a:rPr lang="fi-FI" dirty="0" err="1"/>
+              <a:t>war</a:t>
+            </a:r>
+            <a:r>
+              <a:rPr lang="fi-FI" dirty="0"/>
+              <a:t> </a:t>
+            </a:r>
+            <a:r>
+              <a:rPr lang="fi-FI" dirty="0" err="1"/>
+              <a:t>file</a:t>
+            </a:r>
+            <a:endParaRPr lang="fi-FI" dirty="0"/>
+          </a:p>
+          <a:p>
+            <a:pPr lvl="1"/>
+            <a:endParaRPr lang="fi-FI" dirty="0"/>
+          </a:p>
+        </p:txBody>
+      </p:sp>
+      <p:sp>
+        <p:nvSpPr>
+          <p:cNvPr id="4" name="Rectangle 1">
+            <a:extLst>
+              <a:ext uri="{FF2B5EF4-FFF2-40B4-BE49-F238E27FC236}">
+                <a16:creationId xmlns:a16="http://schemas.microsoft.com/office/drawing/2014/main" id="{E6282E6B-AE94-4665-86C1-EC0212788317}"/>
+              </a:ext>
+            </a:extLst>
+          </p:cNvPr>
+          <p:cNvSpPr>
+            <a:spLocks noChangeArrowheads="1"/>
+          </p:cNvSpPr>
+          <p:nvPr/>
+        </p:nvSpPr>
+        <p:spPr bwMode="auto">
+          <a:xfrm>
+            <a:off x="0" y="0"/>
+            <a:ext cx="12192000" cy="0"/>
+          </a:xfrm>
+          <a:prstGeom prst="rect">
+            <a:avLst/>
+          </a:prstGeom>
+          <a:solidFill>
+            <a:srgbClr val="2D3F49"/>
+          </a:solidFill>
+          <a:ln>
+            <a:noFill/>
+          </a:ln>
+          <a:effectLst/>
+          <a:extLst>
+            <a:ext uri="{91240B29-F687-4F45-9708-019B960494DF}">
+              <a14:hiddenLine xmlns:a14="http://schemas.microsoft.com/office/drawing/2010/main" w="9525">
+                <a:solidFill>
+                  <a:schemeClr val="tx1"/>
+                </a:solidFill>
+                <a:miter lim="800000"/>
+                <a:headEnd/>
+                <a:tailEnd/>
+              </a14:hiddenLine>
+            </a:ext>
+            <a:ext uri="{AF507438-7753-43E0-B8FC-AC1667EBCBE1}">
+              <a14:hiddenEffects xmlns:a14="http://schemas.microsoft.com/office/drawing/2010/main">
+                <a:effectLst>
+                  <a:outerShdw dist="35921" dir="2700000" algn="ctr" rotWithShape="0">
+                    <a:schemeClr val="bg2"/>
+                  </a:outerShdw>
+                </a:effectLst>
+              </a14:hiddenEffects>
+            </a:ext>
+          </a:extLst>
+        </p:spPr>
+        <p:txBody>
+          <a:bodyPr vert="horz" wrap="none" lIns="0" tIns="0" rIns="0" bIns="0" numCol="1" anchor="ctr" anchorCtr="0" compatLnSpc="1">
+            <a:prstTxWarp prst="textNoShape">
+              <a:avLst/>
+            </a:prstTxWarp>
+            <a:spAutoFit/>
+          </a:bodyPr>
+          <a:lstStyle/>
+          <a:p>
+            <a:pPr marL="0" marR="0" lvl="0" indent="0" algn="l" defTabSz="914400" rtl="0" eaLnBrk="0" fontAlgn="base" latinLnBrk="0" hangingPunct="0">
+              <a:lnSpc>
+                <a:spcPct val="100000"/>
+              </a:lnSpc>
+              <a:spcBef>
+                <a:spcPct val="0"/>
+              </a:spcBef>
+              <a:spcAft>
+                <a:spcPct val="0"/>
+              </a:spcAft>
+              <a:buClrTx/>
+              <a:buSzTx/>
+              <a:buFontTx/>
+              <a:buNone/>
+              <a:tabLst/>
+            </a:pPr>
+            <a:endParaRPr kumimoji="0" lang="fi-FI" altLang="fi-FI" sz="1800" b="0" i="0" u="none" strike="noStrike" cap="none" normalizeH="0" baseline="0">
+              <a:ln>
+                <a:noFill/>
+              </a:ln>
+              <a:solidFill>
+                <a:schemeClr val="tx1"/>
+              </a:solidFill>
+              <a:effectLst/>
+              <a:latin typeface="Arial" panose="020B0604020202020204" pitchFamily="34" charset="0"/>
+            </a:endParaRPr>
+          </a:p>
+          <a:p>
+            <a:pPr marL="0" marR="0" lvl="0" indent="0" algn="l" defTabSz="914400" rtl="0" eaLnBrk="0" fontAlgn="base" latinLnBrk="0" hangingPunct="0">
+              <a:lnSpc>
+                <a:spcPct val="100000"/>
+              </a:lnSpc>
+              <a:spcBef>
+                <a:spcPct val="0"/>
+              </a:spcBef>
+              <a:spcAft>
+                <a:spcPct val="0"/>
+              </a:spcAft>
+              <a:buClrTx/>
+              <a:buSzTx/>
+              <a:buFontTx/>
+              <a:buAutoNum type="arabicPeriod"/>
+              <a:tabLst/>
+            </a:pPr>
+            <a:r>
+              <a:rPr kumimoji="0" lang="fi-FI" altLang="fi-FI" sz="1000" b="0" i="0" u="none" strike="noStrike" cap="none" normalizeH="0" baseline="0">
+                <a:ln>
+                  <a:noFill/>
+                </a:ln>
+                <a:solidFill>
+                  <a:srgbClr val="CCCCCC"/>
+                </a:solidFill>
+                <a:effectLst/>
+                <a:latin typeface="Courier"/>
+              </a:rPr>
+              <a:t>bluemix api https://api.eu-de.bluemix.net</a:t>
+            </a:r>
+            <a:endParaRPr kumimoji="0" lang="fi-FI" altLang="fi-FI" sz="1000" b="0" i="0" u="none" strike="noStrike" cap="none" normalizeH="0" baseline="0">
+              <a:ln>
+                <a:noFill/>
+              </a:ln>
+              <a:solidFill>
+                <a:srgbClr val="394B54"/>
+              </a:solidFill>
+              <a:effectLst/>
+              <a:latin typeface="inherit"/>
+            </a:endParaRPr>
+          </a:p>
+          <a:p>
+            <a:pPr marL="0" marR="0" lvl="0" indent="0" algn="l" defTabSz="914400" rtl="0" eaLnBrk="0" fontAlgn="base" latinLnBrk="0" hangingPunct="0">
+              <a:lnSpc>
+                <a:spcPct val="100000"/>
+              </a:lnSpc>
+              <a:spcBef>
+                <a:spcPct val="0"/>
+              </a:spcBef>
+              <a:spcAft>
+                <a:spcPct val="0"/>
+              </a:spcAft>
+              <a:buClrTx/>
+              <a:buSzTx/>
+              <a:buFontTx/>
+              <a:buAutoNum type="arabicPeriod" startAt="2"/>
+              <a:tabLst/>
+            </a:pPr>
+            <a:br>
+              <a:rPr kumimoji="0" lang="fi-FI" altLang="fi-FI" sz="400" b="0" i="0" u="none" strike="noStrike" cap="none" normalizeH="0" baseline="0">
+                <a:ln>
+                  <a:noFill/>
+                </a:ln>
+                <a:solidFill>
+                  <a:schemeClr val="tx1"/>
+                </a:solidFill>
+                <a:effectLst/>
+              </a:rPr>
+            </a:br>
+            <a:endParaRPr kumimoji="0" lang="fi-FI" altLang="fi-FI" sz="1800" b="0" i="0" u="none" strike="noStrike" cap="none" normalizeH="0" baseline="0">
+              <a:ln>
+                <a:noFill/>
+              </a:ln>
+              <a:solidFill>
+                <a:schemeClr val="tx1"/>
+              </a:solidFill>
+              <a:effectLst/>
+              <a:latin typeface="Arial" panose="020B0604020202020204" pitchFamily="34" charset="0"/>
+            </a:endParaRPr>
+          </a:p>
+        </p:txBody>
+      </p:sp>
+      <p:sp>
+        <p:nvSpPr>
+          <p:cNvPr id="5" name="Rectangle 2">
+            <a:extLst>
+              <a:ext uri="{FF2B5EF4-FFF2-40B4-BE49-F238E27FC236}">
+                <a16:creationId xmlns:a16="http://schemas.microsoft.com/office/drawing/2014/main" id="{F2D307B9-0A40-4FFB-BF4C-EE2490E3FBFA}"/>
+              </a:ext>
+            </a:extLst>
+          </p:cNvPr>
+          <p:cNvSpPr>
+            <a:spLocks noChangeArrowheads="1"/>
+          </p:cNvSpPr>
+          <p:nvPr/>
+        </p:nvSpPr>
+        <p:spPr bwMode="auto">
+          <a:xfrm>
+            <a:off x="152400" y="152400"/>
+            <a:ext cx="12192000" cy="0"/>
+          </a:xfrm>
+          <a:prstGeom prst="rect">
+            <a:avLst/>
+          </a:prstGeom>
+          <a:solidFill>
+            <a:srgbClr val="2D3F49"/>
+          </a:solidFill>
+          <a:ln>
+            <a:noFill/>
+          </a:ln>
+          <a:effectLst/>
+          <a:extLst>
+            <a:ext uri="{91240B29-F687-4F45-9708-019B960494DF}">
+              <a14:hiddenLine xmlns:a14="http://schemas.microsoft.com/office/drawing/2010/main" w="9525">
+                <a:solidFill>
+                  <a:schemeClr val="tx1"/>
+                </a:solidFill>
+                <a:miter lim="800000"/>
+                <a:headEnd/>
+                <a:tailEnd/>
+              </a14:hiddenLine>
+            </a:ext>
+            <a:ext uri="{AF507438-7753-43E0-B8FC-AC1667EBCBE1}">
+              <a14:hiddenEffects xmlns:a14="http://schemas.microsoft.com/office/drawing/2010/main">
+                <a:effectLst>
+                  <a:outerShdw dist="35921" dir="2700000" algn="ctr" rotWithShape="0">
+                    <a:schemeClr val="bg2"/>
+                  </a:outerShdw>
+                </a:effectLst>
+              </a14:hiddenEffects>
+            </a:ext>
+          </a:extLst>
+        </p:spPr>
+        <p:txBody>
+          <a:bodyPr vert="horz" wrap="none" lIns="0" tIns="0" rIns="0" bIns="0" numCol="1" anchor="ctr" anchorCtr="0" compatLnSpc="1">
+            <a:prstTxWarp prst="textNoShape">
+              <a:avLst/>
+            </a:prstTxWarp>
+            <a:spAutoFit/>
+          </a:bodyPr>
+          <a:lstStyle/>
+          <a:p>
+            <a:pPr marL="0" marR="0" lvl="0" indent="0" algn="l" defTabSz="914400" rtl="0" eaLnBrk="0" fontAlgn="base" latinLnBrk="0" hangingPunct="0">
+              <a:lnSpc>
+                <a:spcPct val="100000"/>
+              </a:lnSpc>
+              <a:spcBef>
+                <a:spcPct val="0"/>
+              </a:spcBef>
+              <a:spcAft>
+                <a:spcPct val="0"/>
+              </a:spcAft>
+              <a:buClrTx/>
+              <a:buSzTx/>
+              <a:buFontTx/>
+              <a:buNone/>
+              <a:tabLst/>
+            </a:pPr>
+            <a:endParaRPr kumimoji="0" lang="fi-FI" altLang="fi-FI" sz="1800" b="0" i="0" u="none" strike="noStrike" cap="none" normalizeH="0" baseline="0">
+              <a:ln>
+                <a:noFill/>
+              </a:ln>
+              <a:solidFill>
+                <a:schemeClr val="tx1"/>
+              </a:solidFill>
+              <a:effectLst/>
+              <a:latin typeface="Arial" panose="020B0604020202020204" pitchFamily="34" charset="0"/>
+            </a:endParaRPr>
+          </a:p>
+          <a:p>
+            <a:pPr marL="0" marR="0" lvl="0" indent="0" algn="l" defTabSz="914400" rtl="0" eaLnBrk="0" fontAlgn="base" latinLnBrk="0" hangingPunct="0">
+              <a:lnSpc>
+                <a:spcPct val="100000"/>
+              </a:lnSpc>
+              <a:spcBef>
+                <a:spcPct val="0"/>
+              </a:spcBef>
+              <a:spcAft>
+                <a:spcPct val="0"/>
+              </a:spcAft>
+              <a:buClrTx/>
+              <a:buSzTx/>
+              <a:buFontTx/>
+              <a:buAutoNum type="arabicPeriod"/>
+              <a:tabLst/>
+            </a:pPr>
+            <a:r>
+              <a:rPr kumimoji="0" lang="fi-FI" altLang="fi-FI" sz="1000" b="0" i="0" u="none" strike="noStrike" cap="none" normalizeH="0" baseline="0">
+                <a:ln>
+                  <a:noFill/>
+                </a:ln>
+                <a:solidFill>
+                  <a:srgbClr val="CCCCCC"/>
+                </a:solidFill>
+                <a:effectLst/>
+                <a:latin typeface="Courier"/>
+              </a:rPr>
+              <a:t>bluemix api https://api.eu-de.bluemix.net</a:t>
+            </a:r>
+            <a:endParaRPr kumimoji="0" lang="fi-FI" altLang="fi-FI" sz="1000" b="0" i="0" u="none" strike="noStrike" cap="none" normalizeH="0" baseline="0">
+              <a:ln>
+                <a:noFill/>
+              </a:ln>
+              <a:solidFill>
+                <a:srgbClr val="394B54"/>
+              </a:solidFill>
+              <a:effectLst/>
+              <a:latin typeface="inherit"/>
+            </a:endParaRPr>
+          </a:p>
+          <a:p>
+            <a:pPr marL="0" marR="0" lvl="0" indent="0" algn="l" defTabSz="914400" rtl="0" eaLnBrk="0" fontAlgn="base" latinLnBrk="0" hangingPunct="0">
+              <a:lnSpc>
+                <a:spcPct val="100000"/>
+              </a:lnSpc>
+              <a:spcBef>
+                <a:spcPct val="0"/>
+              </a:spcBef>
+              <a:spcAft>
+                <a:spcPct val="0"/>
+              </a:spcAft>
+              <a:buClrTx/>
+              <a:buSzTx/>
+              <a:buFontTx/>
+              <a:buAutoNum type="arabicPeriod" startAt="2"/>
+              <a:tabLst/>
+            </a:pPr>
+            <a:br>
+              <a:rPr kumimoji="0" lang="fi-FI" altLang="fi-FI" sz="400" b="0" i="0" u="none" strike="noStrike" cap="none" normalizeH="0" baseline="0">
+                <a:ln>
+                  <a:noFill/>
+                </a:ln>
+                <a:solidFill>
+                  <a:schemeClr val="tx1"/>
+                </a:solidFill>
+                <a:effectLst/>
+              </a:rPr>
+            </a:br>
+            <a:endParaRPr kumimoji="0" lang="fi-FI" altLang="fi-FI" sz="1800" b="0" i="0" u="none" strike="noStrike" cap="none" normalizeH="0" baseline="0">
+              <a:ln>
+                <a:noFill/>
+              </a:ln>
+              <a:solidFill>
+                <a:schemeClr val="tx1"/>
+              </a:solidFill>
+              <a:effectLst/>
+              <a:latin typeface="Arial" panose="020B0604020202020204" pitchFamily="34" charset="0"/>
+            </a:endParaRPr>
+          </a:p>
+        </p:txBody>
+      </p:sp>
+    </p:spTree>
+    <p:extLst>
+      <p:ext uri="{BB962C8B-B14F-4D97-AF65-F5344CB8AC3E}">
+        <p14:creationId xmlns:p14="http://schemas.microsoft.com/office/powerpoint/2010/main" val="1532073243"/>
       </p:ext>
     </p:extLst>
   </p:cSld>
